--- a/slides/3-Managing Terraform State.pptx
+++ b/slides/3-Managing Terraform State.pptx
@@ -2,10 +2,16 @@
 <file path=ppt/presentation.xml><?xml version="1.0" encoding="utf-8"?>
 <p:presentation xmlns:a="http://schemas.openxmlformats.org/drawingml/2006/main" xmlns:r="http://schemas.openxmlformats.org/officeDocument/2006/relationships" xmlns:p="http://schemas.openxmlformats.org/presentationml/2006/main" saveSubsetFonts="1">
   <p:sldMasterIdLst>
-    <p:sldMasterId id="2147483672" r:id="rId1"/>
+    <p:sldMasterId id="2147483696" r:id="rId1"/>
   </p:sldMasterIdLst>
   <p:sldIdLst>
     <p:sldId id="256" r:id="rId2"/>
+    <p:sldId id="257" r:id="rId3"/>
+    <p:sldId id="258" r:id="rId4"/>
+    <p:sldId id="259" r:id="rId5"/>
+    <p:sldId id="260" r:id="rId6"/>
+    <p:sldId id="261" r:id="rId7"/>
+    <p:sldId id="262" r:id="rId8"/>
   </p:sldIdLst>
   <p:sldSz cx="12192000" cy="6858000"/>
   <p:notesSz cx="6858000" cy="9144000"/>
@@ -104,12 +110,25 @@
       </a:defRPr>
     </a:lvl9pPr>
   </p:defaultTextStyle>
+  <p:extLst>
+    <p:ext uri="{EFAFB233-063F-42B5-8137-9DF3F51BA10A}">
+      <p15:sldGuideLst xmlns:p15="http://schemas.microsoft.com/office/powerpoint/2012/main"/>
+    </p:ext>
+  </p:extLst>
 </p:presentation>
 </file>
 
 <file path=ppt/slideLayouts/slideLayout1.xml><?xml version="1.0" encoding="utf-8"?>
-<p:sldLayout xmlns:a="http://schemas.openxmlformats.org/drawingml/2006/main" xmlns:r="http://schemas.openxmlformats.org/officeDocument/2006/relationships" xmlns:p="http://schemas.openxmlformats.org/presentationml/2006/main" showMasterSp="0" type="title" preserve="1">
+<p:sldLayout xmlns:a="http://schemas.openxmlformats.org/drawingml/2006/main" xmlns:r="http://schemas.openxmlformats.org/officeDocument/2006/relationships" xmlns:p="http://schemas.openxmlformats.org/presentationml/2006/main" type="title" preserve="1">
   <p:cSld name="Title Slide">
+    <p:bg>
+      <p:bgPr>
+        <a:solidFill>
+          <a:schemeClr val="accent2"/>
+        </a:solidFill>
+        <a:effectLst/>
+      </p:bgPr>
+    </p:bg>
     <p:spTree>
       <p:nvGrpSpPr>
         <p:cNvPr id="1" name=""/>
@@ -126,187 +145,114 @@
       </p:grpSpPr>
       <p:sp>
         <p:nvSpPr>
-          <p:cNvPr id="7" name="Rectangle 6"/>
-          <p:cNvSpPr/>
-          <p:nvPr/>
-        </p:nvSpPr>
-        <p:spPr>
+          <p:cNvPr id="2" name="Title 1"/>
+          <p:cNvSpPr>
+            <a:spLocks noGrp="1"/>
+          </p:cNvSpPr>
+          <p:nvPr>
+            <p:ph type="ctrTitle"/>
+          </p:nvPr>
+        </p:nvSpPr>
+        <p:spPr bwMode="blackWhite">
           <a:xfrm>
-            <a:off x="3175" y="6400800"/>
-            <a:ext cx="12188825" cy="457200"/>
+            <a:off x="1600200" y="2386744"/>
+            <a:ext cx="8991600" cy="1645920"/>
           </a:xfrm>
-          <a:prstGeom prst="rect">
-            <a:avLst/>
-          </a:prstGeom>
           <a:solidFill>
-            <a:schemeClr val="accent4">
-              <a:lumMod val="75000"/>
-            </a:schemeClr>
+            <a:srgbClr val="FFFFFF"/>
           </a:solidFill>
-          <a:ln>
-            <a:noFill/>
+          <a:ln w="38100">
+            <a:solidFill>
+              <a:srgbClr val="404040"/>
+            </a:solidFill>
           </a:ln>
         </p:spPr>
-        <p:style>
-          <a:lnRef idx="2">
-            <a:schemeClr val="accent1">
-              <a:shade val="50000"/>
-            </a:schemeClr>
-          </a:lnRef>
-          <a:fillRef idx="1">
-            <a:schemeClr val="accent1"/>
-          </a:fillRef>
-          <a:effectRef idx="0">
-            <a:schemeClr val="accent1"/>
-          </a:effectRef>
-          <a:fontRef idx="minor">
-            <a:schemeClr val="lt1"/>
-          </a:fontRef>
-        </p:style>
-      </p:sp>
-      <p:sp>
-        <p:nvSpPr>
-          <p:cNvPr id="8" name="Rectangle 7"/>
-          <p:cNvSpPr/>
-          <p:nvPr/>
-        </p:nvSpPr>
-        <p:spPr>
-          <a:xfrm>
-            <a:off x="15" y="6334316"/>
-            <a:ext cx="12188825" cy="64008"/>
-          </a:xfrm>
-          <a:prstGeom prst="rect">
-            <a:avLst/>
-          </a:prstGeom>
-          <a:solidFill>
-            <a:schemeClr val="accent4"/>
-          </a:solidFill>
-          <a:ln>
-            <a:noFill/>
-          </a:ln>
-        </p:spPr>
-        <p:style>
-          <a:lnRef idx="2">
-            <a:schemeClr val="accent1">
-              <a:shade val="50000"/>
-            </a:schemeClr>
-          </a:lnRef>
-          <a:fillRef idx="1">
-            <a:schemeClr val="accent1"/>
-          </a:fillRef>
-          <a:effectRef idx="0">
-            <a:schemeClr val="accent1"/>
-          </a:effectRef>
-          <a:fontRef idx="minor">
-            <a:schemeClr val="lt1"/>
-          </a:fontRef>
-        </p:style>
-      </p:sp>
-      <p:sp>
-        <p:nvSpPr>
-          <p:cNvPr id="2" name="Title 1"/>
-          <p:cNvSpPr>
-            <a:spLocks noGrp="1"/>
-          </p:cNvSpPr>
-          <p:nvPr>
-            <p:ph type="ctrTitle"/>
-          </p:nvPr>
-        </p:nvSpPr>
-        <p:spPr>
-          <a:xfrm>
-            <a:off x="1097280" y="758952"/>
-            <a:ext cx="10058400" cy="3566160"/>
-          </a:xfrm>
-        </p:spPr>
-        <p:txBody>
-          <a:bodyPr anchor="b">
+        <p:txBody>
+          <a:bodyPr lIns="274320" rIns="274320" anchor="ctr" anchorCtr="1">
             <a:normAutofit/>
           </a:bodyPr>
           <a:lstStyle>
-            <a:lvl1pPr algn="l">
-              <a:lnSpc>
-                <a:spcPct val="85000"/>
-              </a:lnSpc>
-              <a:defRPr sz="8000" spc="-50" baseline="0">
+            <a:lvl1pPr algn="ctr">
+              <a:defRPr sz="3800">
+                <a:solidFill>
+                  <a:srgbClr val="262626"/>
+                </a:solidFill>
+              </a:defRPr>
+            </a:lvl1pPr>
+          </a:lstStyle>
+          <a:p>
+            <a:r>
+              <a:rPr lang="en-US"/>
+              <a:t>Click to edit Master title style</a:t>
+            </a:r>
+            <a:endParaRPr lang="en-US" dirty="0"/>
+          </a:p>
+        </p:txBody>
+      </p:sp>
+      <p:sp>
+        <p:nvSpPr>
+          <p:cNvPr id="3" name="Subtitle 2"/>
+          <p:cNvSpPr>
+            <a:spLocks noGrp="1"/>
+          </p:cNvSpPr>
+          <p:nvPr>
+            <p:ph type="subTitle" idx="1"/>
+          </p:nvPr>
+        </p:nvSpPr>
+        <p:spPr>
+          <a:xfrm>
+            <a:off x="2695194" y="4352544"/>
+            <a:ext cx="6801612" cy="1239894"/>
+          </a:xfrm>
+          <a:noFill/>
+        </p:spPr>
+        <p:txBody>
+          <a:bodyPr>
+            <a:normAutofit/>
+          </a:bodyPr>
+          <a:lstStyle>
+            <a:lvl1pPr marL="0" indent="0" algn="ctr">
+              <a:buNone/>
+              <a:defRPr sz="2000">
                 <a:solidFill>
                   <a:schemeClr val="tx1">
-                    <a:lumMod val="85000"/>
-                    <a:lumOff val="15000"/>
+                    <a:lumMod val="75000"/>
+                    <a:lumOff val="25000"/>
                   </a:schemeClr>
                 </a:solidFill>
               </a:defRPr>
             </a:lvl1pPr>
-          </a:lstStyle>
-          <a:p>
-            <a:r>
-              <a:rPr lang="en-US"/>
-              <a:t>Click to edit Master title style</a:t>
-            </a:r>
-            <a:endParaRPr lang="en-US" dirty="0"/>
-          </a:p>
-        </p:txBody>
-      </p:sp>
-      <p:sp>
-        <p:nvSpPr>
-          <p:cNvPr id="3" name="Subtitle 2"/>
-          <p:cNvSpPr>
-            <a:spLocks noGrp="1"/>
-          </p:cNvSpPr>
-          <p:nvPr>
-            <p:ph type="subTitle" idx="1"/>
-          </p:nvPr>
-        </p:nvSpPr>
-        <p:spPr>
-          <a:xfrm>
-            <a:off x="1100051" y="4455621"/>
-            <a:ext cx="10058400" cy="1143000"/>
-          </a:xfrm>
-        </p:spPr>
-        <p:txBody>
-          <a:bodyPr lIns="91440" rIns="91440">
-            <a:normAutofit/>
-          </a:bodyPr>
-          <a:lstStyle>
-            <a:lvl1pPr marL="0" indent="0" algn="l">
-              <a:buNone/>
-              <a:defRPr sz="2400" cap="all" spc="200" baseline="0">
-                <a:solidFill>
-                  <a:schemeClr val="tx2"/>
-                </a:solidFill>
-                <a:latin typeface="+mj-lt"/>
-              </a:defRPr>
-            </a:lvl1pPr>
             <a:lvl2pPr marL="457200" indent="0" algn="ctr">
               <a:buNone/>
-              <a:defRPr sz="2400"/>
+              <a:defRPr sz="2000"/>
             </a:lvl2pPr>
             <a:lvl3pPr marL="914400" indent="0" algn="ctr">
               <a:buNone/>
-              <a:defRPr sz="2400"/>
+              <a:defRPr sz="1800"/>
             </a:lvl3pPr>
             <a:lvl4pPr marL="1371600" indent="0" algn="ctr">
               <a:buNone/>
-              <a:defRPr sz="2000"/>
+              <a:defRPr sz="1600"/>
             </a:lvl4pPr>
             <a:lvl5pPr marL="1828800" indent="0" algn="ctr">
               <a:buNone/>
-              <a:defRPr sz="2000"/>
+              <a:defRPr sz="1600"/>
             </a:lvl5pPr>
             <a:lvl6pPr marL="2286000" indent="0" algn="ctr">
               <a:buNone/>
-              <a:defRPr sz="2000"/>
+              <a:defRPr sz="1600"/>
             </a:lvl6pPr>
             <a:lvl7pPr marL="2743200" indent="0" algn="ctr">
               <a:buNone/>
-              <a:defRPr sz="2000"/>
+              <a:defRPr sz="1600"/>
             </a:lvl7pPr>
             <a:lvl8pPr marL="3200400" indent="0" algn="ctr">
               <a:buNone/>
-              <a:defRPr sz="2000"/>
+              <a:defRPr sz="1600"/>
             </a:lvl8pPr>
             <a:lvl9pPr marL="3657600" indent="0" algn="ctr">
               <a:buNone/>
-              <a:defRPr sz="2000"/>
+              <a:defRPr sz="1600"/>
             </a:lvl9pPr>
           </a:lstStyle>
           <a:p>
@@ -320,7 +266,7 @@
       </p:sp>
       <p:sp>
         <p:nvSpPr>
-          <p:cNvPr id="4" name="Date Placeholder 3"/>
+          <p:cNvPr id="7" name="Date Placeholder 6"/>
           <p:cNvSpPr>
             <a:spLocks noGrp="1"/>
           </p:cNvSpPr>
@@ -335,7 +281,7 @@
           <a:p>
             <a:fld id="{B8852FD5-F33B-4F56-8A63-26ECF163783D}" type="datetimeFigureOut">
               <a:rPr lang="en-US" smtClean="0"/>
-              <a:t>10/21/2024</a:t>
+              <a:t>10/24/24</a:t>
             </a:fld>
             <a:endParaRPr lang="en-US"/>
           </a:p>
@@ -343,7 +289,7 @@
       </p:sp>
       <p:sp>
         <p:nvSpPr>
-          <p:cNvPr id="5" name="Footer Placeholder 4"/>
+          <p:cNvPr id="8" name="Footer Placeholder 7"/>
           <p:cNvSpPr>
             <a:spLocks noGrp="1"/>
           </p:cNvSpPr>
@@ -362,7 +308,7 @@
       </p:sp>
       <p:sp>
         <p:nvSpPr>
-          <p:cNvPr id="6" name="Slide Number Placeholder 5"/>
+          <p:cNvPr id="9" name="Slide Number Placeholder 8"/>
           <p:cNvSpPr>
             <a:spLocks noGrp="1"/>
           </p:cNvSpPr>
@@ -383,53 +329,15 @@
           </a:p>
         </p:txBody>
       </p:sp>
-      <p:cxnSp>
-        <p:nvCxnSpPr>
-          <p:cNvPr id="9" name="Straight Connector 8"/>
-          <p:cNvCxnSpPr/>
-          <p:nvPr/>
-        </p:nvCxnSpPr>
-        <p:spPr>
-          <a:xfrm>
-            <a:off x="1207658" y="4343400"/>
-            <a:ext cx="9875520" cy="0"/>
-          </a:xfrm>
-          <a:prstGeom prst="line">
-            <a:avLst/>
-          </a:prstGeom>
-          <a:ln w="6350">
-            <a:solidFill>
-              <a:schemeClr val="tx1">
-                <a:lumMod val="50000"/>
-                <a:lumOff val="50000"/>
-              </a:schemeClr>
-            </a:solidFill>
-          </a:ln>
-        </p:spPr>
-        <p:style>
-          <a:lnRef idx="1">
-            <a:schemeClr val="accent1"/>
-          </a:lnRef>
-          <a:fillRef idx="0">
-            <a:schemeClr val="accent1"/>
-          </a:fillRef>
-          <a:effectRef idx="0">
-            <a:schemeClr val="accent1"/>
-          </a:effectRef>
-          <a:fontRef idx="minor">
-            <a:schemeClr val="tx1"/>
-          </a:fontRef>
-        </p:style>
-      </p:cxnSp>
     </p:spTree>
     <p:extLst>
       <p:ext uri="{BB962C8B-B14F-4D97-AF65-F5344CB8AC3E}">
-        <p14:creationId xmlns:p14="http://schemas.microsoft.com/office/powerpoint/2010/main" val="3669376928"/>
+        <p14:creationId xmlns:p14="http://schemas.microsoft.com/office/powerpoint/2010/main" val="2275252788"/>
       </p:ext>
     </p:extLst>
   </p:cSld>
   <p:clrMapOvr>
-    <a:masterClrMapping/>
+    <a:overrideClrMapping bg1="dk1" tx1="lt1" bg2="dk2" tx2="lt2" accent1="accent1" accent2="accent2" accent3="accent3" accent4="accent4" accent5="accent5" accent6="accent6" hlink="hlink" folHlink="folHlink"/>
   </p:clrMapOvr>
 </p:sldLayout>
 </file>
@@ -486,7 +394,7 @@
         </p:nvSpPr>
         <p:spPr/>
         <p:txBody>
-          <a:bodyPr vert="eaVert" lIns="45720" tIns="0" rIns="45720" bIns="0"/>
+          <a:bodyPr vert="eaVert"/>
           <a:lstStyle/>
           <a:p>
             <a:pPr lvl="0"/>
@@ -543,7 +451,7 @@
           <a:p>
             <a:fld id="{B8852FD5-F33B-4F56-8A63-26ECF163783D}" type="datetimeFigureOut">
               <a:rPr lang="en-US" smtClean="0"/>
-              <a:t>10/21/2024</a:t>
+              <a:t>10/24/24</a:t>
             </a:fld>
             <a:endParaRPr lang="en-US"/>
           </a:p>
@@ -594,7 +502,7 @@
     </p:spTree>
     <p:extLst>
       <p:ext uri="{BB962C8B-B14F-4D97-AF65-F5344CB8AC3E}">
-        <p14:creationId xmlns:p14="http://schemas.microsoft.com/office/powerpoint/2010/main" val="3747047029"/>
+        <p14:creationId xmlns:p14="http://schemas.microsoft.com/office/powerpoint/2010/main" val="3657483314"/>
       </p:ext>
     </p:extLst>
   </p:cSld>
@@ -605,7 +513,7 @@
 </file>
 
 <file path=ppt/slideLayouts/slideLayout11.xml><?xml version="1.0" encoding="utf-8"?>
-<p:sldLayout xmlns:a="http://schemas.openxmlformats.org/drawingml/2006/main" xmlns:r="http://schemas.openxmlformats.org/officeDocument/2006/relationships" xmlns:p="http://schemas.openxmlformats.org/presentationml/2006/main" showMasterSp="0" type="vertTitleAndTx" preserve="1">
+<p:sldLayout xmlns:a="http://schemas.openxmlformats.org/drawingml/2006/main" xmlns:r="http://schemas.openxmlformats.org/officeDocument/2006/relationships" xmlns:p="http://schemas.openxmlformats.org/presentationml/2006/main" type="vertTitleAndTx" preserve="1">
   <p:cSld name="Vertical Title and Text">
     <p:spTree>
       <p:nvGrpSpPr>
@@ -623,130 +531,52 @@
       </p:grpSpPr>
       <p:sp>
         <p:nvSpPr>
-          <p:cNvPr id="7" name="Rectangle 6"/>
-          <p:cNvSpPr/>
-          <p:nvPr/>
+          <p:cNvPr id="2" name="Vertical Title 1"/>
+          <p:cNvSpPr>
+            <a:spLocks noGrp="1"/>
+          </p:cNvSpPr>
+          <p:nvPr>
+            <p:ph type="title" orient="vert"/>
+          </p:nvPr>
         </p:nvSpPr>
         <p:spPr>
           <a:xfrm>
-            <a:off x="3175" y="6400800"/>
-            <a:ext cx="12188825" cy="457200"/>
+            <a:off x="8653112" y="937260"/>
+            <a:ext cx="1298608" cy="4983480"/>
           </a:xfrm>
-          <a:prstGeom prst="rect">
-            <a:avLst/>
-          </a:prstGeom>
-          <a:solidFill>
-            <a:schemeClr val="accent4">
-              <a:lumMod val="75000"/>
-            </a:schemeClr>
-          </a:solidFill>
-          <a:ln>
-            <a:noFill/>
-          </a:ln>
         </p:spPr>
-        <p:style>
-          <a:lnRef idx="2">
-            <a:schemeClr val="accent1">
-              <a:shade val="50000"/>
-            </a:schemeClr>
-          </a:lnRef>
-          <a:fillRef idx="1">
-            <a:schemeClr val="accent1"/>
-          </a:fillRef>
-          <a:effectRef idx="0">
-            <a:schemeClr val="accent1"/>
-          </a:effectRef>
-          <a:fontRef idx="minor">
-            <a:schemeClr val="lt1"/>
-          </a:fontRef>
-        </p:style>
-      </p:sp>
-      <p:sp>
-        <p:nvSpPr>
-          <p:cNvPr id="8" name="Rectangle 7"/>
-          <p:cNvSpPr/>
-          <p:nvPr/>
+        <p:txBody>
+          <a:bodyPr vert="eaVert"/>
+          <a:lstStyle/>
+          <a:p>
+            <a:r>
+              <a:rPr lang="en-US"/>
+              <a:t>Click to edit Master title style</a:t>
+            </a:r>
+            <a:endParaRPr lang="en-US" dirty="0"/>
+          </a:p>
+        </p:txBody>
+      </p:sp>
+      <p:sp>
+        <p:nvSpPr>
+          <p:cNvPr id="3" name="Vertical Text Placeholder 2"/>
+          <p:cNvSpPr>
+            <a:spLocks noGrp="1"/>
+          </p:cNvSpPr>
+          <p:nvPr>
+            <p:ph type="body" orient="vert" idx="1"/>
+          </p:nvPr>
         </p:nvSpPr>
         <p:spPr>
           <a:xfrm>
-            <a:off x="15" y="6334316"/>
-            <a:ext cx="12188825" cy="64008"/>
-          </a:xfrm>
-          <a:prstGeom prst="rect">
-            <a:avLst/>
-          </a:prstGeom>
-          <a:solidFill>
-            <a:schemeClr val="accent4"/>
-          </a:solidFill>
-          <a:ln>
-            <a:noFill/>
-          </a:ln>
-        </p:spPr>
-        <p:style>
-          <a:lnRef idx="2">
-            <a:schemeClr val="accent1">
-              <a:shade val="50000"/>
-            </a:schemeClr>
-          </a:lnRef>
-          <a:fillRef idx="1">
-            <a:schemeClr val="accent1"/>
-          </a:fillRef>
-          <a:effectRef idx="0">
-            <a:schemeClr val="accent1"/>
-          </a:effectRef>
-          <a:fontRef idx="minor">
-            <a:schemeClr val="lt1"/>
-          </a:fontRef>
-        </p:style>
-      </p:sp>
-      <p:sp>
-        <p:nvSpPr>
-          <p:cNvPr id="2" name="Vertical Title 1"/>
-          <p:cNvSpPr>
-            <a:spLocks noGrp="1"/>
-          </p:cNvSpPr>
-          <p:nvPr>
-            <p:ph type="title" orient="vert"/>
-          </p:nvPr>
-        </p:nvSpPr>
-        <p:spPr>
-          <a:xfrm>
-            <a:off x="8724900" y="412302"/>
-            <a:ext cx="2628900" cy="5759898"/>
+            <a:off x="2231136" y="937260"/>
+            <a:ext cx="6198489" cy="4983480"/>
           </a:xfrm>
         </p:spPr>
         <p:txBody>
           <a:bodyPr vert="eaVert"/>
           <a:lstStyle/>
           <a:p>
-            <a:r>
-              <a:rPr lang="en-US"/>
-              <a:t>Click to edit Master title style</a:t>
-            </a:r>
-            <a:endParaRPr lang="en-US" dirty="0"/>
-          </a:p>
-        </p:txBody>
-      </p:sp>
-      <p:sp>
-        <p:nvSpPr>
-          <p:cNvPr id="3" name="Vertical Text Placeholder 2"/>
-          <p:cNvSpPr>
-            <a:spLocks noGrp="1"/>
-          </p:cNvSpPr>
-          <p:nvPr>
-            <p:ph type="body" orient="vert" idx="1"/>
-          </p:nvPr>
-        </p:nvSpPr>
-        <p:spPr>
-          <a:xfrm>
-            <a:off x="838200" y="412302"/>
-            <a:ext cx="7734300" cy="5759898"/>
-          </a:xfrm>
-        </p:spPr>
-        <p:txBody>
-          <a:bodyPr vert="eaVert" lIns="45720" tIns="0" rIns="45720" bIns="0"/>
-          <a:lstStyle/>
-          <a:p>
             <a:pPr lvl="0"/>
             <a:r>
               <a:rPr lang="en-US"/>
@@ -801,7 +631,7 @@
           <a:p>
             <a:fld id="{B8852FD5-F33B-4F56-8A63-26ECF163783D}" type="datetimeFigureOut">
               <a:rPr lang="en-US" smtClean="0"/>
-              <a:t>10/21/2024</a:t>
+              <a:t>10/24/24</a:t>
             </a:fld>
             <a:endParaRPr lang="en-US"/>
           </a:p>
@@ -852,7 +682,7 @@
     </p:spTree>
     <p:extLst>
       <p:ext uri="{BB962C8B-B14F-4D97-AF65-F5344CB8AC3E}">
-        <p14:creationId xmlns:p14="http://schemas.microsoft.com/office/powerpoint/2010/main" val="2610413003"/>
+        <p14:creationId xmlns:p14="http://schemas.microsoft.com/office/powerpoint/2010/main" val="576209926"/>
       </p:ext>
     </p:extLst>
   </p:cSld>
@@ -956,7 +786,7 @@
       </p:sp>
       <p:sp>
         <p:nvSpPr>
-          <p:cNvPr id="4" name="Date Placeholder 3"/>
+          <p:cNvPr id="7" name="Date Placeholder 6"/>
           <p:cNvSpPr>
             <a:spLocks noGrp="1"/>
           </p:cNvSpPr>
@@ -971,7 +801,7 @@
           <a:p>
             <a:fld id="{B8852FD5-F33B-4F56-8A63-26ECF163783D}" type="datetimeFigureOut">
               <a:rPr lang="en-US" smtClean="0"/>
-              <a:t>10/21/2024</a:t>
+              <a:t>10/24/24</a:t>
             </a:fld>
             <a:endParaRPr lang="en-US"/>
           </a:p>
@@ -979,7 +809,7 @@
       </p:sp>
       <p:sp>
         <p:nvSpPr>
-          <p:cNvPr id="5" name="Footer Placeholder 4"/>
+          <p:cNvPr id="8" name="Footer Placeholder 7"/>
           <p:cNvSpPr>
             <a:spLocks noGrp="1"/>
           </p:cNvSpPr>
@@ -998,7 +828,7 @@
       </p:sp>
       <p:sp>
         <p:nvSpPr>
-          <p:cNvPr id="6" name="Slide Number Placeholder 5"/>
+          <p:cNvPr id="9" name="Slide Number Placeholder 8"/>
           <p:cNvSpPr>
             <a:spLocks noGrp="1"/>
           </p:cNvSpPr>
@@ -1022,7 +852,7 @@
     </p:spTree>
     <p:extLst>
       <p:ext uri="{BB962C8B-B14F-4D97-AF65-F5344CB8AC3E}">
-        <p14:creationId xmlns:p14="http://schemas.microsoft.com/office/powerpoint/2010/main" val="2424013531"/>
+        <p14:creationId xmlns:p14="http://schemas.microsoft.com/office/powerpoint/2010/main" val="2006593292"/>
       </p:ext>
     </p:extLst>
   </p:cSld>
@@ -1033,8 +863,16 @@
 </file>
 
 <file path=ppt/slideLayouts/slideLayout3.xml><?xml version="1.0" encoding="utf-8"?>
-<p:sldLayout xmlns:a="http://schemas.openxmlformats.org/drawingml/2006/main" xmlns:r="http://schemas.openxmlformats.org/officeDocument/2006/relationships" xmlns:p="http://schemas.openxmlformats.org/presentationml/2006/main" showMasterSp="0" type="secHead" preserve="1">
+<p:sldLayout xmlns:a="http://schemas.openxmlformats.org/drawingml/2006/main" xmlns:r="http://schemas.openxmlformats.org/officeDocument/2006/relationships" xmlns:p="http://schemas.openxmlformats.org/presentationml/2006/main" type="secHead" preserve="1">
   <p:cSld name="Section Header">
+    <p:bg>
+      <p:bgPr>
+        <a:solidFill>
+          <a:schemeClr val="accent1"/>
+        </a:solidFill>
+        <a:effectLst/>
+      </p:bgPr>
+    </p:bg>
     <p:spTree>
       <p:nvGrpSpPr>
         <p:cNvPr id="1" name=""/>
@@ -1051,113 +889,37 @@
       </p:grpSpPr>
       <p:sp>
         <p:nvSpPr>
-          <p:cNvPr id="7" name="Rectangle 6"/>
-          <p:cNvSpPr/>
-          <p:nvPr/>
-        </p:nvSpPr>
-        <p:spPr>
+          <p:cNvPr id="2" name="Title 1"/>
+          <p:cNvSpPr>
+            <a:spLocks noGrp="1"/>
+          </p:cNvSpPr>
+          <p:nvPr>
+            <p:ph type="title"/>
+          </p:nvPr>
+        </p:nvSpPr>
+        <p:spPr bwMode="blackWhite">
           <a:xfrm>
-            <a:off x="3175" y="6400800"/>
-            <a:ext cx="12188825" cy="457200"/>
+            <a:off x="1600200" y="2386744"/>
+            <a:ext cx="8991600" cy="1645920"/>
           </a:xfrm>
-          <a:prstGeom prst="rect">
-            <a:avLst/>
-          </a:prstGeom>
           <a:solidFill>
-            <a:schemeClr val="accent4">
-              <a:lumMod val="75000"/>
-            </a:schemeClr>
+            <a:srgbClr val="FFFFFF"/>
           </a:solidFill>
-          <a:ln>
-            <a:noFill/>
+          <a:ln w="38100">
+            <a:solidFill>
+              <a:srgbClr val="404040"/>
+            </a:solidFill>
           </a:ln>
         </p:spPr>
-        <p:style>
-          <a:lnRef idx="2">
-            <a:schemeClr val="accent1">
-              <a:shade val="50000"/>
-            </a:schemeClr>
-          </a:lnRef>
-          <a:fillRef idx="1">
-            <a:schemeClr val="accent1"/>
-          </a:fillRef>
-          <a:effectRef idx="0">
-            <a:schemeClr val="accent1"/>
-          </a:effectRef>
-          <a:fontRef idx="minor">
-            <a:schemeClr val="lt1"/>
-          </a:fontRef>
-        </p:style>
-      </p:sp>
-      <p:sp>
-        <p:nvSpPr>
-          <p:cNvPr id="8" name="Rectangle 7"/>
-          <p:cNvSpPr/>
-          <p:nvPr/>
-        </p:nvSpPr>
-        <p:spPr>
-          <a:xfrm>
-            <a:off x="15" y="6334316"/>
-            <a:ext cx="12188825" cy="64008"/>
-          </a:xfrm>
-          <a:prstGeom prst="rect">
-            <a:avLst/>
-          </a:prstGeom>
-          <a:solidFill>
-            <a:schemeClr val="accent4"/>
-          </a:solidFill>
-          <a:ln>
-            <a:noFill/>
-          </a:ln>
-        </p:spPr>
-        <p:style>
-          <a:lnRef idx="2">
-            <a:schemeClr val="accent1">
-              <a:shade val="50000"/>
-            </a:schemeClr>
-          </a:lnRef>
-          <a:fillRef idx="1">
-            <a:schemeClr val="accent1"/>
-          </a:fillRef>
-          <a:effectRef idx="0">
-            <a:schemeClr val="accent1"/>
-          </a:effectRef>
-          <a:fontRef idx="minor">
-            <a:schemeClr val="lt1"/>
-          </a:fontRef>
-        </p:style>
-      </p:sp>
-      <p:sp>
-        <p:nvSpPr>
-          <p:cNvPr id="2" name="Title 1"/>
-          <p:cNvSpPr>
-            <a:spLocks noGrp="1"/>
-          </p:cNvSpPr>
-          <p:nvPr>
-            <p:ph type="title"/>
-          </p:nvPr>
-        </p:nvSpPr>
-        <p:spPr>
-          <a:xfrm>
-            <a:off x="1097280" y="758952"/>
-            <a:ext cx="10058400" cy="3566160"/>
-          </a:xfrm>
-        </p:spPr>
-        <p:txBody>
-          <a:bodyPr anchor="b" anchorCtr="0">
+        <p:txBody>
+          <a:bodyPr lIns="274320" rIns="274320" anchor="ctr" anchorCtr="1">
             <a:normAutofit/>
           </a:bodyPr>
           <a:lstStyle>
             <a:lvl1pPr>
-              <a:lnSpc>
-                <a:spcPct val="85000"/>
-              </a:lnSpc>
-              <a:defRPr sz="8000" b="0">
+              <a:defRPr sz="3800">
                 <a:solidFill>
-                  <a:schemeClr val="tx1">
-                    <a:lumMod val="85000"/>
-                    <a:lumOff val="15000"/>
-                  </a:schemeClr>
+                  <a:srgbClr val="262626"/>
                 </a:solidFill>
               </a:defRPr>
             </a:lvl1pPr>
@@ -1183,27 +945,26 @@
         </p:nvSpPr>
         <p:spPr>
           <a:xfrm>
-            <a:off x="1097280" y="4453128"/>
-            <a:ext cx="10058400" cy="1143000"/>
+            <a:off x="2695194" y="4352465"/>
+            <a:ext cx="6801612" cy="1265082"/>
           </a:xfrm>
         </p:spPr>
         <p:txBody>
-          <a:bodyPr lIns="91440" rIns="91440" anchor="t" anchorCtr="0">
+          <a:bodyPr anchor="t" anchorCtr="1">
             <a:normAutofit/>
           </a:bodyPr>
           <a:lstStyle>
             <a:lvl1pPr marL="0" indent="0">
               <a:buNone/>
-              <a:defRPr sz="2400" cap="all" spc="200" baseline="0">
+              <a:defRPr sz="2000">
                 <a:solidFill>
-                  <a:schemeClr val="tx2"/>
+                  <a:schemeClr val="tx1"/>
                 </a:solidFill>
-                <a:latin typeface="+mj-lt"/>
               </a:defRPr>
             </a:lvl1pPr>
             <a:lvl2pPr marL="457200" indent="0">
               <a:buNone/>
-              <a:defRPr sz="1800">
+              <a:defRPr sz="2000">
                 <a:solidFill>
                   <a:schemeClr val="tx1">
                     <a:tint val="75000"/>
@@ -1213,7 +974,7 @@
             </a:lvl2pPr>
             <a:lvl3pPr marL="914400" indent="0">
               <a:buNone/>
-              <a:defRPr sz="1600">
+              <a:defRPr sz="1800">
                 <a:solidFill>
                   <a:schemeClr val="tx1">
                     <a:tint val="75000"/>
@@ -1223,7 +984,7 @@
             </a:lvl3pPr>
             <a:lvl4pPr marL="1371600" indent="0">
               <a:buNone/>
-              <a:defRPr sz="1400">
+              <a:defRPr sz="1600">
                 <a:solidFill>
                   <a:schemeClr val="tx1">
                     <a:tint val="75000"/>
@@ -1233,7 +994,7 @@
             </a:lvl4pPr>
             <a:lvl5pPr marL="1828800" indent="0">
               <a:buNone/>
-              <a:defRPr sz="1400">
+              <a:defRPr sz="1600">
                 <a:solidFill>
                   <a:schemeClr val="tx1">
                     <a:tint val="75000"/>
@@ -1243,7 +1004,7 @@
             </a:lvl5pPr>
             <a:lvl6pPr marL="2286000" indent="0">
               <a:buNone/>
-              <a:defRPr sz="1400">
+              <a:defRPr sz="1600">
                 <a:solidFill>
                   <a:schemeClr val="tx1">
                     <a:tint val="75000"/>
@@ -1253,7 +1014,7 @@
             </a:lvl6pPr>
             <a:lvl7pPr marL="2743200" indent="0">
               <a:buNone/>
-              <a:defRPr sz="1400">
+              <a:defRPr sz="1600">
                 <a:solidFill>
                   <a:schemeClr val="tx1">
                     <a:tint val="75000"/>
@@ -1263,7 +1024,7 @@
             </a:lvl7pPr>
             <a:lvl8pPr marL="3200400" indent="0">
               <a:buNone/>
-              <a:defRPr sz="1400">
+              <a:defRPr sz="1600">
                 <a:solidFill>
                   <a:schemeClr val="tx1">
                     <a:tint val="75000"/>
@@ -1273,7 +1034,7 @@
             </a:lvl8pPr>
             <a:lvl9pPr marL="3657600" indent="0">
               <a:buNone/>
-              <a:defRPr sz="1400">
+              <a:defRPr sz="1600">
                 <a:solidFill>
                   <a:schemeClr val="tx1">
                     <a:tint val="75000"/>
@@ -1293,7 +1054,7 @@
       </p:sp>
       <p:sp>
         <p:nvSpPr>
-          <p:cNvPr id="4" name="Date Placeholder 3"/>
+          <p:cNvPr id="7" name="Date Placeholder 6"/>
           <p:cNvSpPr>
             <a:spLocks noGrp="1"/>
           </p:cNvSpPr>
@@ -1308,7 +1069,7 @@
           <a:p>
             <a:fld id="{B8852FD5-F33B-4F56-8A63-26ECF163783D}" type="datetimeFigureOut">
               <a:rPr lang="en-US" smtClean="0"/>
-              <a:t>10/21/2024</a:t>
+              <a:t>10/24/24</a:t>
             </a:fld>
             <a:endParaRPr lang="en-US"/>
           </a:p>
@@ -1316,7 +1077,7 @@
       </p:sp>
       <p:sp>
         <p:nvSpPr>
-          <p:cNvPr id="5" name="Footer Placeholder 4"/>
+          <p:cNvPr id="8" name="Footer Placeholder 7"/>
           <p:cNvSpPr>
             <a:spLocks noGrp="1"/>
           </p:cNvSpPr>
@@ -1335,7 +1096,7 @@
       </p:sp>
       <p:sp>
         <p:nvSpPr>
-          <p:cNvPr id="6" name="Slide Number Placeholder 5"/>
+          <p:cNvPr id="9" name="Slide Number Placeholder 8"/>
           <p:cNvSpPr>
             <a:spLocks noGrp="1"/>
           </p:cNvSpPr>
@@ -1356,53 +1117,15 @@
           </a:p>
         </p:txBody>
       </p:sp>
-      <p:cxnSp>
-        <p:nvCxnSpPr>
-          <p:cNvPr id="9" name="Straight Connector 8"/>
-          <p:cNvCxnSpPr/>
-          <p:nvPr/>
-        </p:nvCxnSpPr>
-        <p:spPr>
-          <a:xfrm>
-            <a:off x="1207658" y="4343400"/>
-            <a:ext cx="9875520" cy="0"/>
-          </a:xfrm>
-          <a:prstGeom prst="line">
-            <a:avLst/>
-          </a:prstGeom>
-          <a:ln w="6350">
-            <a:solidFill>
-              <a:schemeClr val="tx1">
-                <a:lumMod val="50000"/>
-                <a:lumOff val="50000"/>
-              </a:schemeClr>
-            </a:solidFill>
-          </a:ln>
-        </p:spPr>
-        <p:style>
-          <a:lnRef idx="1">
-            <a:schemeClr val="accent1"/>
-          </a:lnRef>
-          <a:fillRef idx="0">
-            <a:schemeClr val="accent1"/>
-          </a:fillRef>
-          <a:effectRef idx="0">
-            <a:schemeClr val="accent1"/>
-          </a:effectRef>
-          <a:fontRef idx="minor">
-            <a:schemeClr val="tx1"/>
-          </a:fontRef>
-        </p:style>
-      </p:cxnSp>
     </p:spTree>
     <p:extLst>
       <p:ext uri="{BB962C8B-B14F-4D97-AF65-F5344CB8AC3E}">
-        <p14:creationId xmlns:p14="http://schemas.microsoft.com/office/powerpoint/2010/main" val="586399215"/>
+        <p14:creationId xmlns:p14="http://schemas.microsoft.com/office/powerpoint/2010/main" val="4087285906"/>
       </p:ext>
     </p:extLst>
   </p:cSld>
   <p:clrMapOvr>
-    <a:masterClrMapping/>
+    <a:overrideClrMapping bg1="dk1" tx1="lt1" bg2="dk2" tx2="lt2" accent1="accent1" accent2="accent2" accent3="accent3" accent4="accent4" accent5="accent5" accent6="accent6" hlink="hlink" folHlink="folHlink"/>
   </p:clrMapOvr>
 </p:sldLayout>
 </file>
@@ -1426,27 +1149,79 @@
       </p:grpSpPr>
       <p:sp>
         <p:nvSpPr>
-          <p:cNvPr id="8" name="Title 7"/>
+          <p:cNvPr id="2" name="Title 1"/>
           <p:cNvSpPr>
             <a:spLocks noGrp="1"/>
           </p:cNvSpPr>
           <p:nvPr>
             <p:ph type="title"/>
+          </p:nvPr>
+        </p:nvSpPr>
+        <p:spPr/>
+        <p:txBody>
+          <a:bodyPr/>
+          <a:lstStyle/>
+          <a:p>
+            <a:r>
+              <a:rPr lang="en-US"/>
+              <a:t>Click to edit Master title style</a:t>
+            </a:r>
+            <a:endParaRPr lang="en-US" dirty="0"/>
+          </a:p>
+        </p:txBody>
+      </p:sp>
+      <p:sp>
+        <p:nvSpPr>
+          <p:cNvPr id="3" name="Content Placeholder 2"/>
+          <p:cNvSpPr>
+            <a:spLocks noGrp="1"/>
+          </p:cNvSpPr>
+          <p:nvPr>
+            <p:ph sz="half" idx="1"/>
           </p:nvPr>
         </p:nvSpPr>
         <p:spPr>
           <a:xfrm>
-            <a:off x="1097280" y="286603"/>
-            <a:ext cx="10058400" cy="1450757"/>
+            <a:off x="1581912" y="2638044"/>
+            <a:ext cx="4271771" cy="3101982"/>
           </a:xfrm>
         </p:spPr>
         <p:txBody>
           <a:bodyPr/>
           <a:lstStyle/>
           <a:p>
-            <a:r>
-              <a:rPr lang="en-US"/>
-              <a:t>Click to edit Master title style</a:t>
+            <a:pPr lvl="0"/>
+            <a:r>
+              <a:rPr lang="en-US"/>
+              <a:t>Click to edit Master text styles</a:t>
+            </a:r>
+          </a:p>
+          <a:p>
+            <a:pPr lvl="1"/>
+            <a:r>
+              <a:rPr lang="en-US"/>
+              <a:t>Second level</a:t>
+            </a:r>
+          </a:p>
+          <a:p>
+            <a:pPr lvl="2"/>
+            <a:r>
+              <a:rPr lang="en-US"/>
+              <a:t>Third level</a:t>
+            </a:r>
+          </a:p>
+          <a:p>
+            <a:pPr lvl="3"/>
+            <a:r>
+              <a:rPr lang="en-US"/>
+              <a:t>Fourth level</a:t>
+            </a:r>
+          </a:p>
+          <a:p>
+            <a:pPr lvl="4"/>
+            <a:r>
+              <a:rPr lang="en-US"/>
+              <a:t>Fifth level</a:t>
             </a:r>
             <a:endParaRPr lang="en-US" dirty="0"/>
           </a:p>
@@ -1454,18 +1229,18 @@
       </p:sp>
       <p:sp>
         <p:nvSpPr>
-          <p:cNvPr id="3" name="Content Placeholder 2"/>
-          <p:cNvSpPr>
-            <a:spLocks noGrp="1"/>
-          </p:cNvSpPr>
-          <p:nvPr>
-            <p:ph sz="half" idx="1"/>
+          <p:cNvPr id="4" name="Content Placeholder 3"/>
+          <p:cNvSpPr>
+            <a:spLocks noGrp="1"/>
+          </p:cNvSpPr>
+          <p:nvPr>
+            <p:ph sz="half" idx="2"/>
           </p:nvPr>
         </p:nvSpPr>
         <p:spPr>
           <a:xfrm>
-            <a:off x="1097278" y="1845734"/>
-            <a:ext cx="4937760" cy="4023360"/>
+            <a:off x="6338315" y="2638044"/>
+            <a:ext cx="4270247" cy="3101982"/>
           </a:xfrm>
         </p:spPr>
         <p:txBody>
@@ -1511,64 +1286,7 @@
       </p:sp>
       <p:sp>
         <p:nvSpPr>
-          <p:cNvPr id="4" name="Content Placeholder 3"/>
-          <p:cNvSpPr>
-            <a:spLocks noGrp="1"/>
-          </p:cNvSpPr>
-          <p:nvPr>
-            <p:ph sz="half" idx="2"/>
-          </p:nvPr>
-        </p:nvSpPr>
-        <p:spPr>
-          <a:xfrm>
-            <a:off x="6217920" y="1845735"/>
-            <a:ext cx="4937760" cy="4023360"/>
-          </a:xfrm>
-        </p:spPr>
-        <p:txBody>
-          <a:bodyPr/>
-          <a:lstStyle/>
-          <a:p>
-            <a:pPr lvl="0"/>
-            <a:r>
-              <a:rPr lang="en-US"/>
-              <a:t>Click to edit Master text styles</a:t>
-            </a:r>
-          </a:p>
-          <a:p>
-            <a:pPr lvl="1"/>
-            <a:r>
-              <a:rPr lang="en-US"/>
-              <a:t>Second level</a:t>
-            </a:r>
-          </a:p>
-          <a:p>
-            <a:pPr lvl="2"/>
-            <a:r>
-              <a:rPr lang="en-US"/>
-              <a:t>Third level</a:t>
-            </a:r>
-          </a:p>
-          <a:p>
-            <a:pPr lvl="3"/>
-            <a:r>
-              <a:rPr lang="en-US"/>
-              <a:t>Fourth level</a:t>
-            </a:r>
-          </a:p>
-          <a:p>
-            <a:pPr lvl="4"/>
-            <a:r>
-              <a:rPr lang="en-US"/>
-              <a:t>Fifth level</a:t>
-            </a:r>
-            <a:endParaRPr lang="en-US" dirty="0"/>
-          </a:p>
-        </p:txBody>
-      </p:sp>
-      <p:sp>
-        <p:nvSpPr>
-          <p:cNvPr id="5" name="Date Placeholder 4"/>
+          <p:cNvPr id="8" name="Date Placeholder 7"/>
           <p:cNvSpPr>
             <a:spLocks noGrp="1"/>
           </p:cNvSpPr>
@@ -1583,7 +1301,7 @@
           <a:p>
             <a:fld id="{B8852FD5-F33B-4F56-8A63-26ECF163783D}" type="datetimeFigureOut">
               <a:rPr lang="en-US" smtClean="0"/>
-              <a:t>10/21/2024</a:t>
+              <a:t>10/24/24</a:t>
             </a:fld>
             <a:endParaRPr lang="en-US"/>
           </a:p>
@@ -1591,7 +1309,7 @@
       </p:sp>
       <p:sp>
         <p:nvSpPr>
-          <p:cNvPr id="6" name="Footer Placeholder 5"/>
+          <p:cNvPr id="9" name="Footer Placeholder 8"/>
           <p:cNvSpPr>
             <a:spLocks noGrp="1"/>
           </p:cNvSpPr>
@@ -1610,7 +1328,7 @@
       </p:sp>
       <p:sp>
         <p:nvSpPr>
-          <p:cNvPr id="7" name="Slide Number Placeholder 6"/>
+          <p:cNvPr id="10" name="Slide Number Placeholder 9"/>
           <p:cNvSpPr>
             <a:spLocks noGrp="1"/>
           </p:cNvSpPr>
@@ -1634,7 +1352,7 @@
     </p:spTree>
     <p:extLst>
       <p:ext uri="{BB962C8B-B14F-4D97-AF65-F5344CB8AC3E}">
-        <p14:creationId xmlns:p14="http://schemas.microsoft.com/office/powerpoint/2010/main" val="629403033"/>
+        <p14:creationId xmlns:p14="http://schemas.microsoft.com/office/powerpoint/2010/main" val="416511679"/>
       </p:ext>
     </p:extLst>
   </p:cSld>
@@ -1663,64 +1381,38 @@
       </p:grpSpPr>
       <p:sp>
         <p:nvSpPr>
-          <p:cNvPr id="10" name="Title 9"/>
-          <p:cNvSpPr>
-            <a:spLocks noGrp="1"/>
-          </p:cNvSpPr>
-          <p:nvPr>
-            <p:ph type="title"/>
+          <p:cNvPr id="3" name="Text Placeholder 2"/>
+          <p:cNvSpPr>
+            <a:spLocks noGrp="1"/>
+          </p:cNvSpPr>
+          <p:nvPr>
+            <p:ph type="body" idx="1"/>
           </p:nvPr>
         </p:nvSpPr>
         <p:spPr>
           <a:xfrm>
-            <a:off x="1097280" y="286603"/>
-            <a:ext cx="10058400" cy="1450757"/>
+            <a:off x="1583436" y="2313433"/>
+            <a:ext cx="4270248" cy="704087"/>
           </a:xfrm>
         </p:spPr>
         <p:txBody>
-          <a:bodyPr/>
-          <a:lstStyle/>
-          <a:p>
-            <a:r>
-              <a:rPr lang="en-US"/>
-              <a:t>Click to edit Master title style</a:t>
-            </a:r>
-            <a:endParaRPr lang="en-US" dirty="0"/>
-          </a:p>
-        </p:txBody>
-      </p:sp>
-      <p:sp>
-        <p:nvSpPr>
-          <p:cNvPr id="3" name="Text Placeholder 2"/>
-          <p:cNvSpPr>
-            <a:spLocks noGrp="1"/>
-          </p:cNvSpPr>
-          <p:nvPr>
-            <p:ph type="body" idx="1"/>
-          </p:nvPr>
-        </p:nvSpPr>
-        <p:spPr>
-          <a:xfrm>
-            <a:off x="1097280" y="1846052"/>
-            <a:ext cx="4937760" cy="736282"/>
-          </a:xfrm>
-        </p:spPr>
-        <p:txBody>
-          <a:bodyPr lIns="91440" rIns="91440" anchor="ctr">
+          <a:bodyPr anchor="b" anchorCtr="1">
             <a:normAutofit/>
           </a:bodyPr>
           <a:lstStyle>
-            <a:lvl1pPr marL="0" indent="0">
-              <a:buNone/>
-              <a:defRPr sz="2000" b="0" cap="all" baseline="0">
+            <a:lvl1pPr marL="0" indent="0" algn="ctr">
+              <a:buNone/>
+              <a:defRPr sz="1900" b="0" cap="all" spc="100" baseline="0">
                 <a:solidFill>
-                  <a:schemeClr val="tx2"/>
+                  <a:schemeClr val="accent2">
+                    <a:lumMod val="75000"/>
+                  </a:schemeClr>
                 </a:solidFill>
               </a:defRPr>
             </a:lvl1pPr>
             <a:lvl2pPr marL="457200" indent="0">
               <a:buNone/>
-              <a:defRPr sz="2000" b="1"/>
+              <a:defRPr sz="1900" b="1"/>
             </a:lvl2pPr>
             <a:lvl3pPr marL="914400" indent="0">
               <a:buNone/>
@@ -1772,8 +1464,8 @@
         </p:nvSpPr>
         <p:spPr>
           <a:xfrm>
-            <a:off x="1097280" y="2582334"/>
-            <a:ext cx="4937760" cy="3378200"/>
+            <a:off x="1583436" y="3143250"/>
+            <a:ext cx="4270248" cy="2596776"/>
           </a:xfrm>
         </p:spPr>
         <p:txBody>
@@ -1819,36 +1511,99 @@
       </p:sp>
       <p:sp>
         <p:nvSpPr>
-          <p:cNvPr id="5" name="Text Placeholder 4"/>
-          <p:cNvSpPr>
-            <a:spLocks noGrp="1"/>
-          </p:cNvSpPr>
-          <p:nvPr>
-            <p:ph type="body" sz="quarter" idx="3"/>
+          <p:cNvPr id="6" name="Content Placeholder 5"/>
+          <p:cNvSpPr>
+            <a:spLocks noGrp="1"/>
+          </p:cNvSpPr>
+          <p:nvPr>
+            <p:ph sz="quarter" idx="4"/>
           </p:nvPr>
         </p:nvSpPr>
         <p:spPr>
           <a:xfrm>
-            <a:off x="6217920" y="1846052"/>
-            <a:ext cx="4937760" cy="736282"/>
+            <a:off x="6338316" y="3143250"/>
+            <a:ext cx="4253484" cy="2596776"/>
           </a:xfrm>
         </p:spPr>
         <p:txBody>
-          <a:bodyPr lIns="91440" rIns="91440" anchor="ctr">
+          <a:bodyPr/>
+          <a:lstStyle>
+            <a:lvl5pPr>
+              <a:defRPr/>
+            </a:lvl5pPr>
+          </a:lstStyle>
+          <a:p>
+            <a:pPr lvl="0"/>
+            <a:r>
+              <a:rPr lang="en-US"/>
+              <a:t>Click to edit Master text styles</a:t>
+            </a:r>
+          </a:p>
+          <a:p>
+            <a:pPr lvl="1"/>
+            <a:r>
+              <a:rPr lang="en-US"/>
+              <a:t>Second level</a:t>
+            </a:r>
+          </a:p>
+          <a:p>
+            <a:pPr lvl="2"/>
+            <a:r>
+              <a:rPr lang="en-US"/>
+              <a:t>Third level</a:t>
+            </a:r>
+          </a:p>
+          <a:p>
+            <a:pPr lvl="3"/>
+            <a:r>
+              <a:rPr lang="en-US"/>
+              <a:t>Fourth level</a:t>
+            </a:r>
+          </a:p>
+          <a:p>
+            <a:pPr lvl="4"/>
+            <a:r>
+              <a:rPr lang="en-US"/>
+              <a:t>Fifth level</a:t>
+            </a:r>
+            <a:endParaRPr lang="en-US" dirty="0"/>
+          </a:p>
+        </p:txBody>
+      </p:sp>
+      <p:sp>
+        <p:nvSpPr>
+          <p:cNvPr id="11" name="Text Placeholder 4"/>
+          <p:cNvSpPr>
+            <a:spLocks noGrp="1"/>
+          </p:cNvSpPr>
+          <p:nvPr>
+            <p:ph type="body" sz="quarter" idx="13"/>
+          </p:nvPr>
+        </p:nvSpPr>
+        <p:spPr>
+          <a:xfrm>
+            <a:off x="6338316" y="2313433"/>
+            <a:ext cx="4270248" cy="704087"/>
+          </a:xfrm>
+        </p:spPr>
+        <p:txBody>
+          <a:bodyPr anchor="b" anchorCtr="1">
             <a:normAutofit/>
           </a:bodyPr>
           <a:lstStyle>
-            <a:lvl1pPr marL="0" indent="0">
-              <a:buNone/>
-              <a:defRPr sz="2000" b="0" cap="all" baseline="0">
+            <a:lvl1pPr marL="0" indent="0" algn="ctr">
+              <a:buNone/>
+              <a:defRPr sz="1900" b="0" cap="all" spc="100" baseline="0">
                 <a:solidFill>
-                  <a:schemeClr val="tx2"/>
+                  <a:schemeClr val="accent2">
+                    <a:lumMod val="75000"/>
+                  </a:schemeClr>
                 </a:solidFill>
               </a:defRPr>
             </a:lvl1pPr>
             <a:lvl2pPr marL="457200" indent="0">
               <a:buNone/>
-              <a:defRPr sz="2000" b="1"/>
+              <a:defRPr sz="1900" b="1"/>
             </a:lvl2pPr>
             <a:lvl3pPr marL="914400" indent="0">
               <a:buNone/>
@@ -1890,63 +1645,6 @@
       </p:sp>
       <p:sp>
         <p:nvSpPr>
-          <p:cNvPr id="6" name="Content Placeholder 5"/>
-          <p:cNvSpPr>
-            <a:spLocks noGrp="1"/>
-          </p:cNvSpPr>
-          <p:nvPr>
-            <p:ph sz="quarter" idx="4"/>
-          </p:nvPr>
-        </p:nvSpPr>
-        <p:spPr>
-          <a:xfrm>
-            <a:off x="6217920" y="2582334"/>
-            <a:ext cx="4937760" cy="3378200"/>
-          </a:xfrm>
-        </p:spPr>
-        <p:txBody>
-          <a:bodyPr/>
-          <a:lstStyle/>
-          <a:p>
-            <a:pPr lvl="0"/>
-            <a:r>
-              <a:rPr lang="en-US"/>
-              <a:t>Click to edit Master text styles</a:t>
-            </a:r>
-          </a:p>
-          <a:p>
-            <a:pPr lvl="1"/>
-            <a:r>
-              <a:rPr lang="en-US"/>
-              <a:t>Second level</a:t>
-            </a:r>
-          </a:p>
-          <a:p>
-            <a:pPr lvl="2"/>
-            <a:r>
-              <a:rPr lang="en-US"/>
-              <a:t>Third level</a:t>
-            </a:r>
-          </a:p>
-          <a:p>
-            <a:pPr lvl="3"/>
-            <a:r>
-              <a:rPr lang="en-US"/>
-              <a:t>Fourth level</a:t>
-            </a:r>
-          </a:p>
-          <a:p>
-            <a:pPr lvl="4"/>
-            <a:r>
-              <a:rPr lang="en-US"/>
-              <a:t>Fifth level</a:t>
-            </a:r>
-            <a:endParaRPr lang="en-US" dirty="0"/>
-          </a:p>
-        </p:txBody>
-      </p:sp>
-      <p:sp>
-        <p:nvSpPr>
           <p:cNvPr id="7" name="Date Placeholder 6"/>
           <p:cNvSpPr>
             <a:spLocks noGrp="1"/>
@@ -1962,7 +1660,7 @@
           <a:p>
             <a:fld id="{B8852FD5-F33B-4F56-8A63-26ECF163783D}" type="datetimeFigureOut">
               <a:rPr lang="en-US" smtClean="0"/>
-              <a:t>10/21/2024</a:t>
+              <a:t>10/24/24</a:t>
             </a:fld>
             <a:endParaRPr lang="en-US"/>
           </a:p>
@@ -2010,10 +1708,33 @@
           </a:p>
         </p:txBody>
       </p:sp>
+      <p:sp>
+        <p:nvSpPr>
+          <p:cNvPr id="10" name="Title 9"/>
+          <p:cNvSpPr>
+            <a:spLocks noGrp="1"/>
+          </p:cNvSpPr>
+          <p:nvPr>
+            <p:ph type="title"/>
+          </p:nvPr>
+        </p:nvSpPr>
+        <p:spPr/>
+        <p:txBody>
+          <a:bodyPr/>
+          <a:lstStyle/>
+          <a:p>
+            <a:r>
+              <a:rPr lang="en-US"/>
+              <a:t>Click to edit Master title style</a:t>
+            </a:r>
+            <a:endParaRPr lang="en-US" dirty="0"/>
+          </a:p>
+        </p:txBody>
+      </p:sp>
     </p:spTree>
     <p:extLst>
       <p:ext uri="{BB962C8B-B14F-4D97-AF65-F5344CB8AC3E}">
-        <p14:creationId xmlns:p14="http://schemas.microsoft.com/office/powerpoint/2010/main" val="4098713680"/>
+        <p14:creationId xmlns:p14="http://schemas.microsoft.com/office/powerpoint/2010/main" val="1043694657"/>
       </p:ext>
     </p:extLst>
   </p:cSld>
@@ -2080,7 +1801,7 @@
           <a:p>
             <a:fld id="{B8852FD5-F33B-4F56-8A63-26ECF163783D}" type="datetimeFigureOut">
               <a:rPr lang="en-US" smtClean="0"/>
-              <a:t>10/21/2024</a:t>
+              <a:t>10/24/24</a:t>
             </a:fld>
             <a:endParaRPr lang="en-US"/>
           </a:p>
@@ -2131,7 +1852,7 @@
     </p:spTree>
     <p:extLst>
       <p:ext uri="{BB962C8B-B14F-4D97-AF65-F5344CB8AC3E}">
-        <p14:creationId xmlns:p14="http://schemas.microsoft.com/office/powerpoint/2010/main" val="2461171545"/>
+        <p14:creationId xmlns:p14="http://schemas.microsoft.com/office/powerpoint/2010/main" val="2789435981"/>
       </p:ext>
     </p:extLst>
   </p:cSld>
@@ -2142,7 +1863,7 @@
 </file>
 
 <file path=ppt/slideLayouts/slideLayout7.xml><?xml version="1.0" encoding="utf-8"?>
-<p:sldLayout xmlns:a="http://schemas.openxmlformats.org/drawingml/2006/main" xmlns:r="http://schemas.openxmlformats.org/officeDocument/2006/relationships" xmlns:p="http://schemas.openxmlformats.org/presentationml/2006/main" showMasterSp="0" type="blank" preserve="1">
+<p:sldLayout xmlns:a="http://schemas.openxmlformats.org/drawingml/2006/main" xmlns:r="http://schemas.openxmlformats.org/officeDocument/2006/relationships" xmlns:p="http://schemas.openxmlformats.org/presentationml/2006/main" type="blank" preserve="1">
   <p:cSld name="Blank">
     <p:spTree>
       <p:nvGrpSpPr>
@@ -2160,22 +1881,115 @@
       </p:grpSpPr>
       <p:sp>
         <p:nvSpPr>
-          <p:cNvPr id="5" name="Rectangle 4"/>
+          <p:cNvPr id="2" name="Date Placeholder 1"/>
+          <p:cNvSpPr>
+            <a:spLocks noGrp="1"/>
+          </p:cNvSpPr>
+          <p:nvPr>
+            <p:ph type="dt" sz="half" idx="10"/>
+          </p:nvPr>
+        </p:nvSpPr>
+        <p:spPr/>
+        <p:txBody>
+          <a:bodyPr/>
+          <a:lstStyle/>
+          <a:p>
+            <a:fld id="{B8852FD5-F33B-4F56-8A63-26ECF163783D}" type="datetimeFigureOut">
+              <a:rPr lang="en-US" smtClean="0"/>
+              <a:t>10/24/24</a:t>
+            </a:fld>
+            <a:endParaRPr lang="en-US"/>
+          </a:p>
+        </p:txBody>
+      </p:sp>
+      <p:sp>
+        <p:nvSpPr>
+          <p:cNvPr id="3" name="Footer Placeholder 2"/>
+          <p:cNvSpPr>
+            <a:spLocks noGrp="1"/>
+          </p:cNvSpPr>
+          <p:nvPr>
+            <p:ph type="ftr" sz="quarter" idx="11"/>
+          </p:nvPr>
+        </p:nvSpPr>
+        <p:spPr/>
+        <p:txBody>
+          <a:bodyPr/>
+          <a:lstStyle/>
+          <a:p>
+            <a:endParaRPr lang="en-US"/>
+          </a:p>
+        </p:txBody>
+      </p:sp>
+      <p:sp>
+        <p:nvSpPr>
+          <p:cNvPr id="4" name="Slide Number Placeholder 3"/>
+          <p:cNvSpPr>
+            <a:spLocks noGrp="1"/>
+          </p:cNvSpPr>
+          <p:nvPr>
+            <p:ph type="sldNum" sz="quarter" idx="12"/>
+          </p:nvPr>
+        </p:nvSpPr>
+        <p:spPr/>
+        <p:txBody>
+          <a:bodyPr/>
+          <a:lstStyle/>
+          <a:p>
+            <a:fld id="{2BECD874-0527-462E-B676-FFEA107F688A}" type="slidenum">
+              <a:rPr lang="en-US" smtClean="0"/>
+              <a:t>‹#›</a:t>
+            </a:fld>
+            <a:endParaRPr lang="en-US"/>
+          </a:p>
+        </p:txBody>
+      </p:sp>
+    </p:spTree>
+    <p:extLst>
+      <p:ext uri="{BB962C8B-B14F-4D97-AF65-F5344CB8AC3E}">
+        <p14:creationId xmlns:p14="http://schemas.microsoft.com/office/powerpoint/2010/main" val="3502031045"/>
+      </p:ext>
+    </p:extLst>
+  </p:cSld>
+  <p:clrMapOvr>
+    <a:masterClrMapping/>
+  </p:clrMapOvr>
+</p:sldLayout>
+</file>
+
+<file path=ppt/slideLayouts/slideLayout8.xml><?xml version="1.0" encoding="utf-8"?>
+<p:sldLayout xmlns:a="http://schemas.openxmlformats.org/drawingml/2006/main" xmlns:r="http://schemas.openxmlformats.org/officeDocument/2006/relationships" xmlns:p="http://schemas.openxmlformats.org/presentationml/2006/main" type="objTx" preserve="1">
+  <p:cSld name="Content with Caption">
+    <p:spTree>
+      <p:nvGrpSpPr>
+        <p:cNvPr id="1" name=""/>
+        <p:cNvGrpSpPr/>
+        <p:nvPr/>
+      </p:nvGrpSpPr>
+      <p:grpSpPr>
+        <a:xfrm>
+          <a:off x="0" y="0"/>
+          <a:ext cx="0" cy="0"/>
+          <a:chOff x="0" y="0"/>
+          <a:chExt cx="0" cy="0"/>
+        </a:xfrm>
+      </p:grpSpPr>
+      <p:sp>
+        <p:nvSpPr>
+          <p:cNvPr id="26" name="Rectangle 25"/>
           <p:cNvSpPr/>
           <p:nvPr/>
         </p:nvSpPr>
         <p:spPr>
           <a:xfrm>
-            <a:off x="3175" y="6400800"/>
-            <a:ext cx="12188825" cy="457200"/>
+            <a:off x="0" y="0"/>
+            <a:ext cx="6096000" cy="6858000"/>
           </a:xfrm>
           <a:prstGeom prst="rect">
             <a:avLst/>
           </a:prstGeom>
           <a:solidFill>
-            <a:schemeClr val="accent4">
-              <a:lumMod val="75000"/>
-            </a:schemeClr>
+            <a:schemeClr val="accent2"/>
           </a:solidFill>
           <a:ln>
             <a:noFill/>
@@ -2200,20 +2014,354 @@
       </p:sp>
       <p:sp>
         <p:nvSpPr>
-          <p:cNvPr id="6" name="Rectangle 5"/>
+          <p:cNvPr id="2" name="Title 1"/>
+          <p:cNvSpPr>
+            <a:spLocks noGrp="1"/>
+          </p:cNvSpPr>
+          <p:nvPr>
+            <p:ph type="title"/>
+          </p:nvPr>
+        </p:nvSpPr>
+        <p:spPr bwMode="blackWhite">
+          <a:xfrm>
+            <a:off x="804672" y="2243828"/>
+            <a:ext cx="4486656" cy="1141497"/>
+          </a:xfrm>
+          <a:solidFill>
+            <a:srgbClr val="FFFFFF"/>
+          </a:solidFill>
+          <a:ln>
+            <a:solidFill>
+              <a:srgbClr val="404040"/>
+            </a:solidFill>
+          </a:ln>
+        </p:spPr>
+        <p:txBody>
+          <a:bodyPr anchor="ctr" anchorCtr="1">
+            <a:normAutofit/>
+          </a:bodyPr>
+          <a:lstStyle>
+            <a:lvl1pPr>
+              <a:defRPr sz="2200">
+                <a:solidFill>
+                  <a:srgbClr val="262626"/>
+                </a:solidFill>
+              </a:defRPr>
+            </a:lvl1pPr>
+          </a:lstStyle>
+          <a:p>
+            <a:r>
+              <a:rPr lang="en-US"/>
+              <a:t>Click to edit Master title style</a:t>
+            </a:r>
+            <a:endParaRPr lang="en-US" dirty="0"/>
+          </a:p>
+        </p:txBody>
+      </p:sp>
+      <p:sp>
+        <p:nvSpPr>
+          <p:cNvPr id="3" name="Content Placeholder 2"/>
+          <p:cNvSpPr>
+            <a:spLocks noGrp="1"/>
+          </p:cNvSpPr>
+          <p:nvPr>
+            <p:ph idx="1"/>
+          </p:nvPr>
+        </p:nvSpPr>
+        <p:spPr>
+          <a:xfrm>
+            <a:off x="6736080" y="804672"/>
+            <a:ext cx="4815840" cy="5248656"/>
+          </a:xfrm>
+        </p:spPr>
+        <p:txBody>
+          <a:bodyPr>
+            <a:normAutofit/>
+          </a:bodyPr>
+          <a:lstStyle>
+            <a:lvl1pPr>
+              <a:defRPr sz="1900">
+                <a:solidFill>
+                  <a:schemeClr val="tx1"/>
+                </a:solidFill>
+              </a:defRPr>
+            </a:lvl1pPr>
+            <a:lvl2pPr>
+              <a:defRPr sz="1600">
+                <a:solidFill>
+                  <a:schemeClr val="tx1"/>
+                </a:solidFill>
+              </a:defRPr>
+            </a:lvl2pPr>
+            <a:lvl3pPr>
+              <a:defRPr sz="1600">
+                <a:solidFill>
+                  <a:schemeClr val="tx1"/>
+                </a:solidFill>
+              </a:defRPr>
+            </a:lvl3pPr>
+            <a:lvl4pPr>
+              <a:defRPr sz="1600">
+                <a:solidFill>
+                  <a:schemeClr val="tx1"/>
+                </a:solidFill>
+              </a:defRPr>
+            </a:lvl4pPr>
+            <a:lvl5pPr>
+              <a:defRPr sz="1600">
+                <a:solidFill>
+                  <a:schemeClr val="tx1"/>
+                </a:solidFill>
+              </a:defRPr>
+            </a:lvl5pPr>
+            <a:lvl6pPr>
+              <a:defRPr sz="1600"/>
+            </a:lvl6pPr>
+            <a:lvl7pPr>
+              <a:defRPr sz="1600"/>
+            </a:lvl7pPr>
+            <a:lvl8pPr>
+              <a:defRPr sz="1600"/>
+            </a:lvl8pPr>
+            <a:lvl9pPr>
+              <a:defRPr sz="1600"/>
+            </a:lvl9pPr>
+          </a:lstStyle>
+          <a:p>
+            <a:pPr lvl="0"/>
+            <a:r>
+              <a:rPr lang="en-US"/>
+              <a:t>Click to edit Master text styles</a:t>
+            </a:r>
+          </a:p>
+          <a:p>
+            <a:pPr lvl="1"/>
+            <a:r>
+              <a:rPr lang="en-US"/>
+              <a:t>Second level</a:t>
+            </a:r>
+          </a:p>
+          <a:p>
+            <a:pPr lvl="2"/>
+            <a:r>
+              <a:rPr lang="en-US"/>
+              <a:t>Third level</a:t>
+            </a:r>
+          </a:p>
+          <a:p>
+            <a:pPr lvl="3"/>
+            <a:r>
+              <a:rPr lang="en-US"/>
+              <a:t>Fourth level</a:t>
+            </a:r>
+          </a:p>
+          <a:p>
+            <a:pPr lvl="4"/>
+            <a:r>
+              <a:rPr lang="en-US"/>
+              <a:t>Fifth level</a:t>
+            </a:r>
+            <a:endParaRPr lang="en-US" dirty="0"/>
+          </a:p>
+        </p:txBody>
+      </p:sp>
+      <p:sp>
+        <p:nvSpPr>
+          <p:cNvPr id="4" name="Text Placeholder 3"/>
+          <p:cNvSpPr>
+            <a:spLocks noGrp="1"/>
+          </p:cNvSpPr>
+          <p:nvPr>
+            <p:ph type="body" sz="half" idx="2"/>
+          </p:nvPr>
+        </p:nvSpPr>
+        <p:spPr>
+          <a:xfrm>
+            <a:off x="1115568" y="3549918"/>
+            <a:ext cx="3794760" cy="2194036"/>
+          </a:xfrm>
+        </p:spPr>
+        <p:txBody>
+          <a:bodyPr anchor="t" anchorCtr="1">
+            <a:normAutofit/>
+          </a:bodyPr>
+          <a:lstStyle>
+            <a:lvl1pPr marL="0" indent="0" algn="ctr">
+              <a:buNone/>
+              <a:defRPr sz="1500">
+                <a:solidFill>
+                  <a:srgbClr val="FFFFFF"/>
+                </a:solidFill>
+              </a:defRPr>
+            </a:lvl1pPr>
+            <a:lvl2pPr marL="457200" indent="0">
+              <a:buNone/>
+              <a:defRPr sz="1400"/>
+            </a:lvl2pPr>
+            <a:lvl3pPr marL="914400" indent="0">
+              <a:buNone/>
+              <a:defRPr sz="1200"/>
+            </a:lvl3pPr>
+            <a:lvl4pPr marL="1371600" indent="0">
+              <a:buNone/>
+              <a:defRPr sz="1000"/>
+            </a:lvl4pPr>
+            <a:lvl5pPr marL="1828800" indent="0">
+              <a:buNone/>
+              <a:defRPr sz="1000"/>
+            </a:lvl5pPr>
+            <a:lvl6pPr marL="2286000" indent="0">
+              <a:buNone/>
+              <a:defRPr sz="1000"/>
+            </a:lvl6pPr>
+            <a:lvl7pPr marL="2743200" indent="0">
+              <a:buNone/>
+              <a:defRPr sz="1000"/>
+            </a:lvl7pPr>
+            <a:lvl8pPr marL="3200400" indent="0">
+              <a:buNone/>
+              <a:defRPr sz="1000"/>
+            </a:lvl8pPr>
+            <a:lvl9pPr marL="3657600" indent="0">
+              <a:buNone/>
+              <a:defRPr sz="1000"/>
+            </a:lvl9pPr>
+          </a:lstStyle>
+          <a:p>
+            <a:pPr lvl="0"/>
+            <a:r>
+              <a:rPr lang="en-US"/>
+              <a:t>Click to edit Master text styles</a:t>
+            </a:r>
+          </a:p>
+        </p:txBody>
+      </p:sp>
+      <p:sp>
+        <p:nvSpPr>
+          <p:cNvPr id="9" name="Date Placeholder 8"/>
+          <p:cNvSpPr>
+            <a:spLocks noGrp="1"/>
+          </p:cNvSpPr>
+          <p:nvPr>
+            <p:ph type="dt" sz="half" idx="10"/>
+          </p:nvPr>
+        </p:nvSpPr>
+        <p:spPr/>
+        <p:txBody>
+          <a:bodyPr/>
+          <a:lstStyle/>
+          <a:p>
+            <a:fld id="{B8852FD5-F33B-4F56-8A63-26ECF163783D}" type="datetimeFigureOut">
+              <a:rPr lang="en-US" smtClean="0"/>
+              <a:t>10/24/24</a:t>
+            </a:fld>
+            <a:endParaRPr lang="en-US"/>
+          </a:p>
+        </p:txBody>
+      </p:sp>
+      <p:sp>
+        <p:nvSpPr>
+          <p:cNvPr id="10" name="Footer Placeholder 9"/>
+          <p:cNvSpPr>
+            <a:spLocks noGrp="1"/>
+          </p:cNvSpPr>
+          <p:nvPr>
+            <p:ph type="ftr" sz="quarter" idx="11"/>
+          </p:nvPr>
+        </p:nvSpPr>
+        <p:spPr>
+          <a:xfrm>
+            <a:off x="804672" y="6236208"/>
+            <a:ext cx="5124797" cy="320040"/>
+          </a:xfrm>
+        </p:spPr>
+        <p:txBody>
+          <a:bodyPr/>
+          <a:lstStyle>
+            <a:lvl1pPr>
+              <a:defRPr>
+                <a:solidFill>
+                  <a:srgbClr val="FFFFFF">
+                    <a:alpha val="70000"/>
+                  </a:srgbClr>
+                </a:solidFill>
+              </a:defRPr>
+            </a:lvl1pPr>
+          </a:lstStyle>
+          <a:p>
+            <a:endParaRPr lang="en-US"/>
+          </a:p>
+        </p:txBody>
+      </p:sp>
+      <p:sp>
+        <p:nvSpPr>
+          <p:cNvPr id="11" name="Slide Number Placeholder 10"/>
+          <p:cNvSpPr>
+            <a:spLocks noGrp="1"/>
+          </p:cNvSpPr>
+          <p:nvPr>
+            <p:ph type="sldNum" sz="quarter" idx="12"/>
+          </p:nvPr>
+        </p:nvSpPr>
+        <p:spPr/>
+        <p:txBody>
+          <a:bodyPr/>
+          <a:lstStyle/>
+          <a:p>
+            <a:fld id="{2BECD874-0527-462E-B676-FFEA107F688A}" type="slidenum">
+              <a:rPr lang="en-US" smtClean="0"/>
+              <a:t>‹#›</a:t>
+            </a:fld>
+            <a:endParaRPr lang="en-US"/>
+          </a:p>
+        </p:txBody>
+      </p:sp>
+    </p:spTree>
+    <p:extLst>
+      <p:ext uri="{BB962C8B-B14F-4D97-AF65-F5344CB8AC3E}">
+        <p14:creationId xmlns:p14="http://schemas.microsoft.com/office/powerpoint/2010/main" val="407412328"/>
+      </p:ext>
+    </p:extLst>
+  </p:cSld>
+  <p:clrMapOvr>
+    <a:masterClrMapping/>
+  </p:clrMapOvr>
+</p:sldLayout>
+</file>
+
+<file path=ppt/slideLayouts/slideLayout9.xml><?xml version="1.0" encoding="utf-8"?>
+<p:sldLayout xmlns:a="http://schemas.openxmlformats.org/drawingml/2006/main" xmlns:r="http://schemas.openxmlformats.org/officeDocument/2006/relationships" xmlns:p="http://schemas.openxmlformats.org/presentationml/2006/main" type="picTx" preserve="1">
+  <p:cSld name="Picture with Caption">
+    <p:spTree>
+      <p:nvGrpSpPr>
+        <p:cNvPr id="1" name=""/>
+        <p:cNvGrpSpPr/>
+        <p:nvPr/>
+      </p:nvGrpSpPr>
+      <p:grpSpPr>
+        <a:xfrm>
+          <a:off x="0" y="0"/>
+          <a:ext cx="0" cy="0"/>
+          <a:chOff x="0" y="0"/>
+          <a:chExt cx="0" cy="0"/>
+        </a:xfrm>
+      </p:grpSpPr>
+      <p:sp>
+        <p:nvSpPr>
+          <p:cNvPr id="18" name="Rectangle 17"/>
           <p:cNvSpPr/>
           <p:nvPr/>
         </p:nvSpPr>
         <p:spPr>
           <a:xfrm>
-            <a:off x="15" y="6334316"/>
-            <a:ext cx="12188825" cy="64008"/>
+            <a:off x="0" y="0"/>
+            <a:ext cx="6095999" cy="6858000"/>
           </a:xfrm>
           <a:prstGeom prst="rect">
             <a:avLst/>
           </a:prstGeom>
           <a:solidFill>
-            <a:schemeClr val="accent4"/>
+            <a:schemeClr val="accent2"/>
           </a:solidFill>
           <a:ln>
             <a:noFill/>
@@ -2238,302 +2386,149 @@
       </p:sp>
       <p:sp>
         <p:nvSpPr>
-          <p:cNvPr id="7" name="Date Placeholder 6"/>
-          <p:cNvSpPr>
-            <a:spLocks noGrp="1"/>
-          </p:cNvSpPr>
-          <p:nvPr>
-            <p:ph type="dt" sz="half" idx="10"/>
-          </p:nvPr>
-        </p:nvSpPr>
-        <p:spPr/>
-        <p:txBody>
-          <a:bodyPr/>
-          <a:lstStyle/>
-          <a:p>
-            <a:fld id="{B8852FD5-F33B-4F56-8A63-26ECF163783D}" type="datetimeFigureOut">
-              <a:rPr lang="en-US" smtClean="0"/>
-              <a:t>10/21/2024</a:t>
-            </a:fld>
-            <a:endParaRPr lang="en-US"/>
-          </a:p>
-        </p:txBody>
-      </p:sp>
-      <p:sp>
-        <p:nvSpPr>
-          <p:cNvPr id="8" name="Footer Placeholder 7"/>
-          <p:cNvSpPr>
-            <a:spLocks noGrp="1"/>
-          </p:cNvSpPr>
-          <p:nvPr>
-            <p:ph type="ftr" sz="quarter" idx="11"/>
-          </p:nvPr>
-        </p:nvSpPr>
-        <p:spPr/>
-        <p:txBody>
-          <a:bodyPr/>
+          <p:cNvPr id="2" name="Title 1"/>
+          <p:cNvSpPr>
+            <a:spLocks noGrp="1"/>
+          </p:cNvSpPr>
+          <p:nvPr>
+            <p:ph type="title"/>
+          </p:nvPr>
+        </p:nvSpPr>
+        <p:spPr bwMode="blackWhite">
+          <a:xfrm>
+            <a:off x="808523" y="2243828"/>
+            <a:ext cx="4494998" cy="1134640"/>
+          </a:xfrm>
+          <a:solidFill>
+            <a:srgbClr val="FFFFFF"/>
+          </a:solidFill>
+          <a:ln>
+            <a:solidFill>
+              <a:srgbClr val="404040"/>
+            </a:solidFill>
+          </a:ln>
+        </p:spPr>
+        <p:txBody>
+          <a:bodyPr anchor="ctr" anchorCtr="1">
+            <a:noAutofit/>
+          </a:bodyPr>
           <a:lstStyle>
             <a:lvl1pPr>
-              <a:defRPr>
+              <a:defRPr sz="2200">
                 <a:solidFill>
-                  <a:srgbClr val="FFFFFF"/>
+                  <a:srgbClr val="262626"/>
                 </a:solidFill>
               </a:defRPr>
             </a:lvl1pPr>
           </a:lstStyle>
           <a:p>
-            <a:endParaRPr lang="en-US"/>
-          </a:p>
-        </p:txBody>
-      </p:sp>
-      <p:sp>
-        <p:nvSpPr>
-          <p:cNvPr id="9" name="Slide Number Placeholder 8"/>
-          <p:cNvSpPr>
-            <a:spLocks noGrp="1"/>
-          </p:cNvSpPr>
-          <p:nvPr>
-            <p:ph type="sldNum" sz="quarter" idx="12"/>
-          </p:nvPr>
-        </p:nvSpPr>
-        <p:spPr/>
-        <p:txBody>
-          <a:bodyPr/>
-          <a:lstStyle/>
-          <a:p>
-            <a:fld id="{2BECD874-0527-462E-B676-FFEA107F688A}" type="slidenum">
-              <a:rPr lang="en-US" smtClean="0"/>
-              <a:t>‹#›</a:t>
-            </a:fld>
-            <a:endParaRPr lang="en-US"/>
-          </a:p>
-        </p:txBody>
-      </p:sp>
-    </p:spTree>
-    <p:extLst>
-      <p:ext uri="{BB962C8B-B14F-4D97-AF65-F5344CB8AC3E}">
-        <p14:creationId xmlns:p14="http://schemas.microsoft.com/office/powerpoint/2010/main" val="1154751344"/>
-      </p:ext>
-    </p:extLst>
-  </p:cSld>
-  <p:clrMapOvr>
-    <a:masterClrMapping/>
-  </p:clrMapOvr>
-</p:sldLayout>
-</file>
-
-<file path=ppt/slideLayouts/slideLayout8.xml><?xml version="1.0" encoding="utf-8"?>
-<p:sldLayout xmlns:a="http://schemas.openxmlformats.org/drawingml/2006/main" xmlns:r="http://schemas.openxmlformats.org/officeDocument/2006/relationships" xmlns:p="http://schemas.openxmlformats.org/presentationml/2006/main" showMasterSp="0" type="objTx" preserve="1">
-  <p:cSld name="Content with Caption">
-    <p:spTree>
-      <p:nvGrpSpPr>
-        <p:cNvPr id="1" name=""/>
-        <p:cNvGrpSpPr/>
-        <p:nvPr/>
-      </p:nvGrpSpPr>
-      <p:grpSpPr>
-        <a:xfrm>
-          <a:off x="0" y="0"/>
-          <a:ext cx="0" cy="0"/>
-          <a:chOff x="0" y="0"/>
-          <a:chExt cx="0" cy="0"/>
-        </a:xfrm>
-      </p:grpSpPr>
-      <p:sp>
-        <p:nvSpPr>
-          <p:cNvPr id="8" name="Rectangle 7"/>
-          <p:cNvSpPr/>
-          <p:nvPr/>
+            <a:r>
+              <a:rPr lang="en-US"/>
+              <a:t>Click to edit Master title style</a:t>
+            </a:r>
+            <a:endParaRPr lang="en-US" dirty="0"/>
+          </a:p>
+        </p:txBody>
+      </p:sp>
+      <p:sp>
+        <p:nvSpPr>
+          <p:cNvPr id="3" name="Picture Placeholder 2"/>
+          <p:cNvSpPr>
+            <a:spLocks noGrp="1" noChangeAspect="1"/>
+          </p:cNvSpPr>
+          <p:nvPr>
+            <p:ph type="pic" idx="1"/>
+          </p:nvPr>
         </p:nvSpPr>
         <p:spPr>
           <a:xfrm>
-            <a:off x="16" y="0"/>
-            <a:ext cx="4050791" cy="6858000"/>
+            <a:off x="6095999" y="0"/>
+            <a:ext cx="6102097" cy="6858000"/>
           </a:xfrm>
-          <a:prstGeom prst="rect">
-            <a:avLst/>
-          </a:prstGeom>
           <a:solidFill>
-            <a:schemeClr val="accent4">
+            <a:schemeClr val="bg1">
               <a:lumMod val="75000"/>
             </a:schemeClr>
           </a:solidFill>
-          <a:ln>
-            <a:noFill/>
-          </a:ln>
         </p:spPr>
-        <p:style>
-          <a:lnRef idx="2">
-            <a:schemeClr val="accent1">
-              <a:shade val="50000"/>
-            </a:schemeClr>
-          </a:lnRef>
-          <a:fillRef idx="1">
-            <a:schemeClr val="accent1"/>
-          </a:fillRef>
-          <a:effectRef idx="0">
-            <a:schemeClr val="accent1"/>
-          </a:effectRef>
-          <a:fontRef idx="minor">
-            <a:schemeClr val="lt1"/>
-          </a:fontRef>
-        </p:style>
-      </p:sp>
-      <p:sp>
-        <p:nvSpPr>
-          <p:cNvPr id="9" name="Rectangle 8"/>
-          <p:cNvSpPr/>
-          <p:nvPr/>
+        <p:txBody>
+          <a:bodyPr anchor="t"/>
+          <a:lstStyle>
+            <a:lvl1pPr marL="0" indent="0">
+              <a:buNone/>
+              <a:defRPr sz="3200">
+                <a:solidFill>
+                  <a:schemeClr val="bg1">
+                    <a:lumMod val="85000"/>
+                    <a:lumOff val="15000"/>
+                  </a:schemeClr>
+                </a:solidFill>
+              </a:defRPr>
+            </a:lvl1pPr>
+            <a:lvl2pPr marL="457200" indent="0">
+              <a:buNone/>
+              <a:defRPr sz="2800"/>
+            </a:lvl2pPr>
+            <a:lvl3pPr marL="914400" indent="0">
+              <a:buNone/>
+              <a:defRPr sz="2400"/>
+            </a:lvl3pPr>
+            <a:lvl4pPr marL="1371600" indent="0">
+              <a:buNone/>
+              <a:defRPr sz="2000"/>
+            </a:lvl4pPr>
+            <a:lvl5pPr marL="1828800" indent="0">
+              <a:buNone/>
+              <a:defRPr sz="2000"/>
+            </a:lvl5pPr>
+            <a:lvl6pPr marL="2286000" indent="0">
+              <a:buNone/>
+              <a:defRPr sz="2000"/>
+            </a:lvl6pPr>
+            <a:lvl7pPr marL="2743200" indent="0">
+              <a:buNone/>
+              <a:defRPr sz="2000"/>
+            </a:lvl7pPr>
+            <a:lvl8pPr marL="3200400" indent="0">
+              <a:buNone/>
+              <a:defRPr sz="2000"/>
+            </a:lvl8pPr>
+            <a:lvl9pPr marL="3657600" indent="0">
+              <a:buNone/>
+              <a:defRPr sz="2000"/>
+            </a:lvl9pPr>
+          </a:lstStyle>
+          <a:p>
+            <a:r>
+              <a:rPr lang="en-US"/>
+              <a:t>Click icon to add picture</a:t>
+            </a:r>
+            <a:endParaRPr lang="en-US" dirty="0"/>
+          </a:p>
+        </p:txBody>
+      </p:sp>
+      <p:sp>
+        <p:nvSpPr>
+          <p:cNvPr id="4" name="Text Placeholder 3"/>
+          <p:cNvSpPr>
+            <a:spLocks noGrp="1"/>
+          </p:cNvSpPr>
+          <p:nvPr>
+            <p:ph type="body" sz="half" idx="2"/>
+          </p:nvPr>
         </p:nvSpPr>
         <p:spPr>
           <a:xfrm>
-            <a:off x="4040071" y="0"/>
-            <a:ext cx="64008" cy="6858000"/>
-          </a:xfrm>
-          <a:prstGeom prst="rect">
-            <a:avLst/>
-          </a:prstGeom>
-          <a:solidFill>
-            <a:schemeClr val="accent4"/>
-          </a:solidFill>
-          <a:ln>
-            <a:noFill/>
-          </a:ln>
-        </p:spPr>
-        <p:style>
-          <a:lnRef idx="2">
-            <a:schemeClr val="accent1">
-              <a:shade val="50000"/>
-            </a:schemeClr>
-          </a:lnRef>
-          <a:fillRef idx="1">
-            <a:schemeClr val="accent1"/>
-          </a:fillRef>
-          <a:effectRef idx="0">
-            <a:schemeClr val="accent1"/>
-          </a:effectRef>
-          <a:fontRef idx="minor">
-            <a:schemeClr val="lt1"/>
-          </a:fontRef>
-        </p:style>
-      </p:sp>
-      <p:sp>
-        <p:nvSpPr>
-          <p:cNvPr id="2" name="Title 1"/>
-          <p:cNvSpPr>
-            <a:spLocks noGrp="1"/>
-          </p:cNvSpPr>
-          <p:nvPr>
-            <p:ph type="title"/>
-          </p:nvPr>
-        </p:nvSpPr>
-        <p:spPr>
-          <a:xfrm>
-            <a:off x="457200" y="594359"/>
-            <a:ext cx="3200400" cy="2286000"/>
+            <a:off x="1115568" y="3549918"/>
+            <a:ext cx="3794760" cy="2194037"/>
           </a:xfrm>
         </p:spPr>
         <p:txBody>
-          <a:bodyPr anchor="b">
+          <a:bodyPr anchor="t" anchorCtr="1">
             <a:normAutofit/>
           </a:bodyPr>
           <a:lstStyle>
-            <a:lvl1pPr>
-              <a:defRPr sz="3600" b="0">
-                <a:solidFill>
-                  <a:srgbClr val="FFFFFF"/>
-                </a:solidFill>
-              </a:defRPr>
-            </a:lvl1pPr>
-          </a:lstStyle>
-          <a:p>
-            <a:r>
-              <a:rPr lang="en-US"/>
-              <a:t>Click to edit Master title style</a:t>
-            </a:r>
-            <a:endParaRPr lang="en-US" dirty="0"/>
-          </a:p>
-        </p:txBody>
-      </p:sp>
-      <p:sp>
-        <p:nvSpPr>
-          <p:cNvPr id="3" name="Content Placeholder 2"/>
-          <p:cNvSpPr>
-            <a:spLocks noGrp="1"/>
-          </p:cNvSpPr>
-          <p:nvPr>
-            <p:ph idx="1"/>
-          </p:nvPr>
-        </p:nvSpPr>
-        <p:spPr>
-          <a:xfrm>
-            <a:off x="4800600" y="731520"/>
-            <a:ext cx="6492240" cy="5257800"/>
-          </a:xfrm>
-        </p:spPr>
-        <p:txBody>
-          <a:bodyPr/>
-          <a:lstStyle/>
-          <a:p>
-            <a:pPr lvl="0"/>
-            <a:r>
-              <a:rPr lang="en-US"/>
-              <a:t>Click to edit Master text styles</a:t>
-            </a:r>
-          </a:p>
-          <a:p>
-            <a:pPr lvl="1"/>
-            <a:r>
-              <a:rPr lang="en-US"/>
-              <a:t>Second level</a:t>
-            </a:r>
-          </a:p>
-          <a:p>
-            <a:pPr lvl="2"/>
-            <a:r>
-              <a:rPr lang="en-US"/>
-              <a:t>Third level</a:t>
-            </a:r>
-          </a:p>
-          <a:p>
-            <a:pPr lvl="3"/>
-            <a:r>
-              <a:rPr lang="en-US"/>
-              <a:t>Fourth level</a:t>
-            </a:r>
-          </a:p>
-          <a:p>
-            <a:pPr lvl="4"/>
-            <a:r>
-              <a:rPr lang="en-US"/>
-              <a:t>Fifth level</a:t>
-            </a:r>
-            <a:endParaRPr lang="en-US" dirty="0"/>
-          </a:p>
-        </p:txBody>
-      </p:sp>
-      <p:sp>
-        <p:nvSpPr>
-          <p:cNvPr id="4" name="Text Placeholder 3"/>
-          <p:cNvSpPr>
-            <a:spLocks noGrp="1"/>
-          </p:cNvSpPr>
-          <p:nvPr>
-            <p:ph type="body" sz="half" idx="2"/>
-          </p:nvPr>
-        </p:nvSpPr>
-        <p:spPr>
-          <a:xfrm>
-            <a:off x="457200" y="2926080"/>
-            <a:ext cx="3200400" cy="3379124"/>
-          </a:xfrm>
-        </p:spPr>
-        <p:txBody>
-          <a:bodyPr lIns="91440" rIns="91440">
-            <a:normAutofit/>
-          </a:bodyPr>
-          <a:lstStyle>
-            <a:lvl1pPr marL="0" indent="0">
+            <a:lvl1pPr marL="0" indent="0" algn="ctr">
               <a:buNone/>
               <a:defRPr sz="1500">
                 <a:solidFill>
@@ -2543,35 +2538,35 @@
             </a:lvl1pPr>
             <a:lvl2pPr marL="457200" indent="0">
               <a:buNone/>
-              <a:defRPr sz="1200"/>
+              <a:defRPr sz="1400"/>
             </a:lvl2pPr>
             <a:lvl3pPr marL="914400" indent="0">
               <a:buNone/>
-              <a:defRPr sz="1000"/>
+              <a:defRPr sz="1200"/>
             </a:lvl3pPr>
             <a:lvl4pPr marL="1371600" indent="0">
               <a:buNone/>
-              <a:defRPr sz="900"/>
+              <a:defRPr sz="1000"/>
             </a:lvl4pPr>
             <a:lvl5pPr marL="1828800" indent="0">
               <a:buNone/>
-              <a:defRPr sz="900"/>
+              <a:defRPr sz="1000"/>
             </a:lvl5pPr>
             <a:lvl6pPr marL="2286000" indent="0">
               <a:buNone/>
-              <a:defRPr sz="900"/>
+              <a:defRPr sz="1000"/>
             </a:lvl6pPr>
             <a:lvl7pPr marL="2743200" indent="0">
               <a:buNone/>
-              <a:defRPr sz="900"/>
+              <a:defRPr sz="1000"/>
             </a:lvl7pPr>
             <a:lvl8pPr marL="3200400" indent="0">
               <a:buNone/>
-              <a:defRPr sz="900"/>
+              <a:defRPr sz="1000"/>
             </a:lvl8pPr>
             <a:lvl9pPr marL="3657600" indent="0">
               <a:buNone/>
-              <a:defRPr sz="900"/>
+              <a:defRPr sz="1000"/>
             </a:lvl9pPr>
           </a:lstStyle>
           <a:p>
@@ -2585,59 +2580,67 @@
       </p:sp>
       <p:sp>
         <p:nvSpPr>
-          <p:cNvPr id="5" name="Date Placeholder 4"/>
+          <p:cNvPr id="8" name="Date Placeholder 7"/>
           <p:cNvSpPr>
             <a:spLocks noGrp="1"/>
           </p:cNvSpPr>
           <p:nvPr>
             <p:ph type="dt" sz="half" idx="10"/>
+          </p:nvPr>
+        </p:nvSpPr>
+        <p:spPr/>
+        <p:txBody>
+          <a:bodyPr/>
+          <a:lstStyle>
+            <a:lvl1pPr>
+              <a:defRPr>
+                <a:solidFill>
+                  <a:srgbClr val="FFFFFF"/>
+                </a:solidFill>
+                <a:effectLst>
+                  <a:outerShdw blurRad="50800" dist="38100" dir="2700000" algn="tl" rotWithShape="0">
+                    <a:prstClr val="black">
+                      <a:alpha val="43000"/>
+                    </a:prstClr>
+                  </a:outerShdw>
+                </a:effectLst>
+              </a:defRPr>
+            </a:lvl1pPr>
+          </a:lstStyle>
+          <a:p>
+            <a:fld id="{B8852FD5-F33B-4F56-8A63-26ECF163783D}" type="datetimeFigureOut">
+              <a:rPr lang="en-US" smtClean="0"/>
+              <a:t>10/24/24</a:t>
+            </a:fld>
+            <a:endParaRPr lang="en-US"/>
+          </a:p>
+        </p:txBody>
+      </p:sp>
+      <p:sp>
+        <p:nvSpPr>
+          <p:cNvPr id="9" name="Footer Placeholder 8"/>
+          <p:cNvSpPr>
+            <a:spLocks noGrp="1"/>
+          </p:cNvSpPr>
+          <p:nvPr>
+            <p:ph type="ftr" sz="quarter" idx="11"/>
           </p:nvPr>
         </p:nvSpPr>
         <p:spPr>
           <a:xfrm>
-            <a:off x="465512" y="6459785"/>
-            <a:ext cx="2618510" cy="365125"/>
+            <a:off x="804672" y="6236208"/>
+            <a:ext cx="5124797" cy="320040"/>
           </a:xfrm>
         </p:spPr>
         <p:txBody>
           <a:bodyPr/>
           <a:lstStyle>
-            <a:lvl1pPr algn="l">
-              <a:defRPr/>
-            </a:lvl1pPr>
-          </a:lstStyle>
-          <a:p>
-            <a:fld id="{B8852FD5-F33B-4F56-8A63-26ECF163783D}" type="datetimeFigureOut">
-              <a:rPr lang="en-US" smtClean="0"/>
-              <a:t>10/21/2024</a:t>
-            </a:fld>
-            <a:endParaRPr lang="en-US"/>
-          </a:p>
-        </p:txBody>
-      </p:sp>
-      <p:sp>
-        <p:nvSpPr>
-          <p:cNvPr id="6" name="Footer Placeholder 5"/>
-          <p:cNvSpPr>
-            <a:spLocks noGrp="1"/>
-          </p:cNvSpPr>
-          <p:nvPr>
-            <p:ph type="ftr" sz="quarter" idx="11"/>
-          </p:nvPr>
-        </p:nvSpPr>
-        <p:spPr>
-          <a:xfrm>
-            <a:off x="4800600" y="6459785"/>
-            <a:ext cx="4648200" cy="365125"/>
-          </a:xfrm>
-        </p:spPr>
-        <p:txBody>
-          <a:bodyPr/>
-          <a:lstStyle>
-            <a:lvl1pPr algn="l">
+            <a:lvl1pPr>
               <a:defRPr>
                 <a:solidFill>
-                  <a:schemeClr val="tx2"/>
+                  <a:srgbClr val="FFFFFF">
+                    <a:alpha val="70000"/>
+                  </a:srgbClr>
                 </a:solidFill>
               </a:defRPr>
             </a:lvl1pPr>
@@ -2649,7 +2652,7 @@
       </p:sp>
       <p:sp>
         <p:nvSpPr>
-          <p:cNvPr id="7" name="Slide Number Placeholder 6"/>
+          <p:cNvPr id="10" name="Slide Number Placeholder 9"/>
           <p:cNvSpPr>
             <a:spLocks noGrp="1"/>
           </p:cNvSpPr>
@@ -2660,15 +2663,7 @@
         <p:spPr/>
         <p:txBody>
           <a:bodyPr/>
-          <a:lstStyle>
-            <a:lvl1pPr>
-              <a:defRPr>
-                <a:solidFill>
-                  <a:schemeClr val="tx2"/>
-                </a:solidFill>
-              </a:defRPr>
-            </a:lvl1pPr>
-          </a:lstStyle>
+          <a:lstStyle/>
           <a:p>
             <a:fld id="{2BECD874-0527-462E-B676-FFEA107F688A}" type="slidenum">
               <a:rPr lang="en-US" smtClean="0"/>
@@ -2681,365 +2676,7 @@
     </p:spTree>
     <p:extLst>
       <p:ext uri="{BB962C8B-B14F-4D97-AF65-F5344CB8AC3E}">
-        <p14:creationId xmlns:p14="http://schemas.microsoft.com/office/powerpoint/2010/main" val="632475286"/>
-      </p:ext>
-    </p:extLst>
-  </p:cSld>
-  <p:clrMapOvr>
-    <a:masterClrMapping/>
-  </p:clrMapOvr>
-</p:sldLayout>
-</file>
-
-<file path=ppt/slideLayouts/slideLayout9.xml><?xml version="1.0" encoding="utf-8"?>
-<p:sldLayout xmlns:a="http://schemas.openxmlformats.org/drawingml/2006/main" xmlns:r="http://schemas.openxmlformats.org/officeDocument/2006/relationships" xmlns:p="http://schemas.openxmlformats.org/presentationml/2006/main" showMasterSp="0" type="picTx" preserve="1">
-  <p:cSld name="Picture with Caption">
-    <p:spTree>
-      <p:nvGrpSpPr>
-        <p:cNvPr id="1" name=""/>
-        <p:cNvGrpSpPr/>
-        <p:nvPr/>
-      </p:nvGrpSpPr>
-      <p:grpSpPr>
-        <a:xfrm>
-          <a:off x="0" y="0"/>
-          <a:ext cx="0" cy="0"/>
-          <a:chOff x="0" y="0"/>
-          <a:chExt cx="0" cy="0"/>
-        </a:xfrm>
-      </p:grpSpPr>
-      <p:sp>
-        <p:nvSpPr>
-          <p:cNvPr id="8" name="Rectangle 7"/>
-          <p:cNvSpPr/>
-          <p:nvPr/>
-        </p:nvSpPr>
-        <p:spPr>
-          <a:xfrm>
-            <a:off x="0" y="4953000"/>
-            <a:ext cx="12188825" cy="1905000"/>
-          </a:xfrm>
-          <a:prstGeom prst="rect">
-            <a:avLst/>
-          </a:prstGeom>
-          <a:solidFill>
-            <a:schemeClr val="accent4">
-              <a:lumMod val="75000"/>
-            </a:schemeClr>
-          </a:solidFill>
-          <a:ln>
-            <a:noFill/>
-          </a:ln>
-        </p:spPr>
-        <p:style>
-          <a:lnRef idx="2">
-            <a:schemeClr val="accent1">
-              <a:shade val="50000"/>
-            </a:schemeClr>
-          </a:lnRef>
-          <a:fillRef idx="1">
-            <a:schemeClr val="accent1"/>
-          </a:fillRef>
-          <a:effectRef idx="0">
-            <a:schemeClr val="accent1"/>
-          </a:effectRef>
-          <a:fontRef idx="minor">
-            <a:schemeClr val="lt1"/>
-          </a:fontRef>
-        </p:style>
-      </p:sp>
-      <p:sp>
-        <p:nvSpPr>
-          <p:cNvPr id="9" name="Rectangle 8"/>
-          <p:cNvSpPr/>
-          <p:nvPr/>
-        </p:nvSpPr>
-        <p:spPr>
-          <a:xfrm>
-            <a:off x="15" y="4915076"/>
-            <a:ext cx="12188825" cy="64008"/>
-          </a:xfrm>
-          <a:prstGeom prst="rect">
-            <a:avLst/>
-          </a:prstGeom>
-          <a:solidFill>
-            <a:schemeClr val="accent4"/>
-          </a:solidFill>
-          <a:ln>
-            <a:noFill/>
-          </a:ln>
-        </p:spPr>
-        <p:style>
-          <a:lnRef idx="2">
-            <a:schemeClr val="accent1">
-              <a:shade val="50000"/>
-            </a:schemeClr>
-          </a:lnRef>
-          <a:fillRef idx="1">
-            <a:schemeClr val="accent1"/>
-          </a:fillRef>
-          <a:effectRef idx="0">
-            <a:schemeClr val="accent1"/>
-          </a:effectRef>
-          <a:fontRef idx="minor">
-            <a:schemeClr val="lt1"/>
-          </a:fontRef>
-        </p:style>
-      </p:sp>
-      <p:sp>
-        <p:nvSpPr>
-          <p:cNvPr id="2" name="Title 1"/>
-          <p:cNvSpPr>
-            <a:spLocks noGrp="1"/>
-          </p:cNvSpPr>
-          <p:nvPr>
-            <p:ph type="title"/>
-          </p:nvPr>
-        </p:nvSpPr>
-        <p:spPr>
-          <a:xfrm>
-            <a:off x="1097280" y="5074920"/>
-            <a:ext cx="10113645" cy="822960"/>
-          </a:xfrm>
-        </p:spPr>
-        <p:txBody>
-          <a:bodyPr lIns="91440" tIns="0" rIns="91440" bIns="0" anchor="b">
-            <a:noAutofit/>
-          </a:bodyPr>
-          <a:lstStyle>
-            <a:lvl1pPr>
-              <a:defRPr sz="3600" b="0">
-                <a:solidFill>
-                  <a:srgbClr val="FFFFFF"/>
-                </a:solidFill>
-              </a:defRPr>
-            </a:lvl1pPr>
-          </a:lstStyle>
-          <a:p>
-            <a:r>
-              <a:rPr lang="en-US"/>
-              <a:t>Click to edit Master title style</a:t>
-            </a:r>
-            <a:endParaRPr lang="en-US" dirty="0"/>
-          </a:p>
-        </p:txBody>
-      </p:sp>
-      <p:sp>
-        <p:nvSpPr>
-          <p:cNvPr id="3" name="Picture Placeholder 2"/>
-          <p:cNvSpPr>
-            <a:spLocks noGrp="1" noChangeAspect="1"/>
-          </p:cNvSpPr>
-          <p:nvPr>
-            <p:ph type="pic" idx="1"/>
-          </p:nvPr>
-        </p:nvSpPr>
-        <p:spPr>
-          <a:xfrm>
-            <a:off x="15" y="0"/>
-            <a:ext cx="12191985" cy="4915076"/>
-          </a:xfrm>
-          <a:solidFill>
-            <a:schemeClr val="bg2">
-              <a:lumMod val="90000"/>
-            </a:schemeClr>
-          </a:solidFill>
-        </p:spPr>
-        <p:txBody>
-          <a:bodyPr lIns="457200" tIns="457200" anchor="t"/>
-          <a:lstStyle>
-            <a:lvl1pPr marL="0" indent="0">
-              <a:buNone/>
-              <a:defRPr sz="3200"/>
-            </a:lvl1pPr>
-            <a:lvl2pPr marL="457200" indent="0">
-              <a:buNone/>
-              <a:defRPr sz="2800"/>
-            </a:lvl2pPr>
-            <a:lvl3pPr marL="914400" indent="0">
-              <a:buNone/>
-              <a:defRPr sz="2400"/>
-            </a:lvl3pPr>
-            <a:lvl4pPr marL="1371600" indent="0">
-              <a:buNone/>
-              <a:defRPr sz="2000"/>
-            </a:lvl4pPr>
-            <a:lvl5pPr marL="1828800" indent="0">
-              <a:buNone/>
-              <a:defRPr sz="2000"/>
-            </a:lvl5pPr>
-            <a:lvl6pPr marL="2286000" indent="0">
-              <a:buNone/>
-              <a:defRPr sz="2000"/>
-            </a:lvl6pPr>
-            <a:lvl7pPr marL="2743200" indent="0">
-              <a:buNone/>
-              <a:defRPr sz="2000"/>
-            </a:lvl7pPr>
-            <a:lvl8pPr marL="3200400" indent="0">
-              <a:buNone/>
-              <a:defRPr sz="2000"/>
-            </a:lvl8pPr>
-            <a:lvl9pPr marL="3657600" indent="0">
-              <a:buNone/>
-              <a:defRPr sz="2000"/>
-            </a:lvl9pPr>
-          </a:lstStyle>
-          <a:p>
-            <a:r>
-              <a:rPr lang="en-US"/>
-              <a:t>Click icon to add picture</a:t>
-            </a:r>
-            <a:endParaRPr lang="en-US" dirty="0"/>
-          </a:p>
-        </p:txBody>
-      </p:sp>
-      <p:sp>
-        <p:nvSpPr>
-          <p:cNvPr id="4" name="Text Placeholder 3"/>
-          <p:cNvSpPr>
-            <a:spLocks noGrp="1"/>
-          </p:cNvSpPr>
-          <p:nvPr>
-            <p:ph type="body" sz="half" idx="2"/>
-          </p:nvPr>
-        </p:nvSpPr>
-        <p:spPr>
-          <a:xfrm>
-            <a:off x="1097280" y="5907024"/>
-            <a:ext cx="10113264" cy="594360"/>
-          </a:xfrm>
-        </p:spPr>
-        <p:txBody>
-          <a:bodyPr lIns="91440" tIns="0" rIns="91440" bIns="0">
-            <a:normAutofit/>
-          </a:bodyPr>
-          <a:lstStyle>
-            <a:lvl1pPr marL="0" indent="0">
-              <a:spcBef>
-                <a:spcPts val="0"/>
-              </a:spcBef>
-              <a:spcAft>
-                <a:spcPts val="600"/>
-              </a:spcAft>
-              <a:buNone/>
-              <a:defRPr sz="1500">
-                <a:solidFill>
-                  <a:srgbClr val="FFFFFF"/>
-                </a:solidFill>
-              </a:defRPr>
-            </a:lvl1pPr>
-            <a:lvl2pPr marL="457200" indent="0">
-              <a:buNone/>
-              <a:defRPr sz="1200"/>
-            </a:lvl2pPr>
-            <a:lvl3pPr marL="914400" indent="0">
-              <a:buNone/>
-              <a:defRPr sz="1000"/>
-            </a:lvl3pPr>
-            <a:lvl4pPr marL="1371600" indent="0">
-              <a:buNone/>
-              <a:defRPr sz="900"/>
-            </a:lvl4pPr>
-            <a:lvl5pPr marL="1828800" indent="0">
-              <a:buNone/>
-              <a:defRPr sz="900"/>
-            </a:lvl5pPr>
-            <a:lvl6pPr marL="2286000" indent="0">
-              <a:buNone/>
-              <a:defRPr sz="900"/>
-            </a:lvl6pPr>
-            <a:lvl7pPr marL="2743200" indent="0">
-              <a:buNone/>
-              <a:defRPr sz="900"/>
-            </a:lvl7pPr>
-            <a:lvl8pPr marL="3200400" indent="0">
-              <a:buNone/>
-              <a:defRPr sz="900"/>
-            </a:lvl8pPr>
-            <a:lvl9pPr marL="3657600" indent="0">
-              <a:buNone/>
-              <a:defRPr sz="900"/>
-            </a:lvl9pPr>
-          </a:lstStyle>
-          <a:p>
-            <a:pPr lvl="0"/>
-            <a:r>
-              <a:rPr lang="en-US"/>
-              <a:t>Click to edit Master text styles</a:t>
-            </a:r>
-          </a:p>
-        </p:txBody>
-      </p:sp>
-      <p:sp>
-        <p:nvSpPr>
-          <p:cNvPr id="5" name="Date Placeholder 4"/>
-          <p:cNvSpPr>
-            <a:spLocks noGrp="1"/>
-          </p:cNvSpPr>
-          <p:nvPr>
-            <p:ph type="dt" sz="half" idx="10"/>
-          </p:nvPr>
-        </p:nvSpPr>
-        <p:spPr/>
-        <p:txBody>
-          <a:bodyPr/>
-          <a:lstStyle/>
-          <a:p>
-            <a:fld id="{B8852FD5-F33B-4F56-8A63-26ECF163783D}" type="datetimeFigureOut">
-              <a:rPr lang="en-US" smtClean="0"/>
-              <a:t>10/21/2024</a:t>
-            </a:fld>
-            <a:endParaRPr lang="en-US"/>
-          </a:p>
-        </p:txBody>
-      </p:sp>
-      <p:sp>
-        <p:nvSpPr>
-          <p:cNvPr id="6" name="Footer Placeholder 5"/>
-          <p:cNvSpPr>
-            <a:spLocks noGrp="1"/>
-          </p:cNvSpPr>
-          <p:nvPr>
-            <p:ph type="ftr" sz="quarter" idx="11"/>
-          </p:nvPr>
-        </p:nvSpPr>
-        <p:spPr/>
-        <p:txBody>
-          <a:bodyPr/>
-          <a:lstStyle/>
-          <a:p>
-            <a:endParaRPr lang="en-US"/>
-          </a:p>
-        </p:txBody>
-      </p:sp>
-      <p:sp>
-        <p:nvSpPr>
-          <p:cNvPr id="7" name="Slide Number Placeholder 6"/>
-          <p:cNvSpPr>
-            <a:spLocks noGrp="1"/>
-          </p:cNvSpPr>
-          <p:nvPr>
-            <p:ph type="sldNum" sz="quarter" idx="12"/>
-          </p:nvPr>
-        </p:nvSpPr>
-        <p:spPr/>
-        <p:txBody>
-          <a:bodyPr/>
-          <a:lstStyle/>
-          <a:p>
-            <a:fld id="{2BECD874-0527-462E-B676-FFEA107F688A}" type="slidenum">
-              <a:rPr lang="en-US" smtClean="0"/>
-              <a:t>‹#›</a:t>
-            </a:fld>
-            <a:endParaRPr lang="en-US"/>
-          </a:p>
-        </p:txBody>
-      </p:sp>
-    </p:spTree>
-    <p:extLst>
-      <p:ext uri="{BB962C8B-B14F-4D97-AF65-F5344CB8AC3E}">
-        <p14:creationId xmlns:p14="http://schemas.microsoft.com/office/powerpoint/2010/main" val="3676323544"/>
+        <p14:creationId xmlns:p14="http://schemas.microsoft.com/office/powerpoint/2010/main" val="1986568044"/>
       </p:ext>
     </p:extLst>
   </p:cSld>
@@ -3053,9 +2690,14 @@
 <p:sldMaster xmlns:a="http://schemas.openxmlformats.org/drawingml/2006/main" xmlns:r="http://schemas.openxmlformats.org/officeDocument/2006/relationships" xmlns:p="http://schemas.openxmlformats.org/presentationml/2006/main">
   <p:cSld>
     <p:bg>
-      <p:bgRef idx="1001">
-        <a:schemeClr val="bg2"/>
-      </p:bgRef>
+      <p:bgPr>
+        <a:solidFill>
+          <a:schemeClr val="bg1">
+            <a:lumMod val="95000"/>
+          </a:schemeClr>
+        </a:solidFill>
+        <a:effectLst/>
+      </p:bgPr>
     </p:bg>
     <p:spTree>
       <p:nvGrpSpPr>
@@ -3073,110 +2715,103 @@
       </p:grpSpPr>
       <p:sp>
         <p:nvSpPr>
-          <p:cNvPr id="7" name="Rectangle 6"/>
-          <p:cNvSpPr/>
-          <p:nvPr/>
-        </p:nvSpPr>
-        <p:spPr>
+          <p:cNvPr id="2" name="Title Placeholder 1"/>
+          <p:cNvSpPr>
+            <a:spLocks noGrp="1"/>
+          </p:cNvSpPr>
+          <p:nvPr>
+            <p:ph type="title"/>
+          </p:nvPr>
+        </p:nvSpPr>
+        <p:spPr bwMode="black">
           <a:xfrm>
-            <a:off x="1" y="6400800"/>
-            <a:ext cx="12192000" cy="457200"/>
+            <a:off x="2231136" y="964692"/>
+            <a:ext cx="7729728" cy="1188720"/>
           </a:xfrm>
           <a:prstGeom prst="rect">
             <a:avLst/>
           </a:prstGeom>
           <a:solidFill>
-            <a:schemeClr val="accent4">
-              <a:lumMod val="75000"/>
-            </a:schemeClr>
+            <a:srgbClr val="FFFFFF"/>
           </a:solidFill>
-          <a:ln>
-            <a:noFill/>
+          <a:ln w="31750" cap="sq">
+            <a:solidFill>
+              <a:srgbClr val="404040"/>
+            </a:solidFill>
+            <a:miter lim="800000"/>
           </a:ln>
         </p:spPr>
-        <p:style>
-          <a:lnRef idx="2">
-            <a:schemeClr val="accent1">
-              <a:shade val="50000"/>
-            </a:schemeClr>
-          </a:lnRef>
-          <a:fillRef idx="1">
-            <a:schemeClr val="accent1"/>
-          </a:fillRef>
-          <a:effectRef idx="0">
-            <a:schemeClr val="accent1"/>
-          </a:effectRef>
-          <a:fontRef idx="minor">
-            <a:schemeClr val="lt1"/>
-          </a:fontRef>
-        </p:style>
-      </p:sp>
-      <p:sp>
-        <p:nvSpPr>
-          <p:cNvPr id="9" name="Rectangle 8"/>
-          <p:cNvSpPr/>
-          <p:nvPr/>
+        <p:txBody>
+          <a:bodyPr vert="horz" lIns="182880" tIns="182880" rIns="182880" bIns="182880" rtlCol="0" anchor="ctr">
+            <a:normAutofit/>
+          </a:bodyPr>
+          <a:lstStyle/>
+          <a:p>
+            <a:r>
+              <a:rPr lang="en-US"/>
+              <a:t>Click to edit Master title style</a:t>
+            </a:r>
+            <a:endParaRPr lang="en-US" dirty="0"/>
+          </a:p>
+        </p:txBody>
+      </p:sp>
+      <p:sp>
+        <p:nvSpPr>
+          <p:cNvPr id="3" name="Text Placeholder 2"/>
+          <p:cNvSpPr>
+            <a:spLocks noGrp="1"/>
+          </p:cNvSpPr>
+          <p:nvPr>
+            <p:ph type="body" idx="1"/>
+          </p:nvPr>
         </p:nvSpPr>
         <p:spPr>
           <a:xfrm>
-            <a:off x="15" y="6334316"/>
-            <a:ext cx="12191985" cy="66484"/>
-          </a:xfrm>
-          <a:prstGeom prst="rect">
-            <a:avLst/>
-          </a:prstGeom>
-          <a:solidFill>
-            <a:schemeClr val="accent4"/>
-          </a:solidFill>
-          <a:ln>
-            <a:noFill/>
-          </a:ln>
-        </p:spPr>
-        <p:style>
-          <a:lnRef idx="2">
-            <a:schemeClr val="accent1">
-              <a:shade val="50000"/>
-            </a:schemeClr>
-          </a:lnRef>
-          <a:fillRef idx="1">
-            <a:schemeClr val="accent1"/>
-          </a:fillRef>
-          <a:effectRef idx="0">
-            <a:schemeClr val="accent1"/>
-          </a:effectRef>
-          <a:fontRef idx="minor">
-            <a:schemeClr val="lt1"/>
-          </a:fontRef>
-        </p:style>
-      </p:sp>
-      <p:sp>
-        <p:nvSpPr>
-          <p:cNvPr id="2" name="Title Placeholder 1"/>
-          <p:cNvSpPr>
-            <a:spLocks noGrp="1"/>
-          </p:cNvSpPr>
-          <p:nvPr>
-            <p:ph type="title"/>
-          </p:nvPr>
-        </p:nvSpPr>
-        <p:spPr>
-          <a:xfrm>
-            <a:off x="1097280" y="286603"/>
-            <a:ext cx="10058400" cy="1450757"/>
+            <a:off x="2231136" y="2638044"/>
+            <a:ext cx="7729728" cy="3101983"/>
           </a:xfrm>
           <a:prstGeom prst="rect">
             <a:avLst/>
           </a:prstGeom>
         </p:spPr>
         <p:txBody>
-          <a:bodyPr vert="horz" lIns="91440" tIns="45720" rIns="91440" bIns="45720" rtlCol="0" anchor="b">
+          <a:bodyPr vert="horz" lIns="91440" tIns="45720" rIns="91440" bIns="45720" rtlCol="0">
             <a:normAutofit/>
           </a:bodyPr>
           <a:lstStyle/>
           <a:p>
-            <a:r>
-              <a:rPr lang="en-US"/>
-              <a:t>Click to edit Master title style</a:t>
+            <a:pPr lvl="0"/>
+            <a:r>
+              <a:rPr lang="en-US"/>
+              <a:t>Click to edit Master text styles</a:t>
+            </a:r>
+          </a:p>
+          <a:p>
+            <a:pPr lvl="1"/>
+            <a:r>
+              <a:rPr lang="en-US"/>
+              <a:t>Second level</a:t>
+            </a:r>
+          </a:p>
+          <a:p>
+            <a:pPr lvl="2"/>
+            <a:r>
+              <a:rPr lang="en-US"/>
+              <a:t>Third level</a:t>
+            </a:r>
+          </a:p>
+          <a:p>
+            <a:pPr lvl="3"/>
+            <a:r>
+              <a:rPr lang="en-US"/>
+              <a:t>Fourth level</a:t>
+            </a:r>
+          </a:p>
+          <a:p>
+            <a:pPr lvl="4"/>
+            <a:r>
+              <a:rPr lang="en-US"/>
+              <a:t>Fifth level</a:t>
             </a:r>
             <a:endParaRPr lang="en-US" dirty="0"/>
           </a:p>
@@ -3184,80 +2819,59 @@
       </p:sp>
       <p:sp>
         <p:nvSpPr>
-          <p:cNvPr id="3" name="Text Placeholder 2"/>
-          <p:cNvSpPr>
-            <a:spLocks noGrp="1"/>
-          </p:cNvSpPr>
-          <p:nvPr>
-            <p:ph type="body" idx="1"/>
+          <p:cNvPr id="4" name="Date Placeholder 3"/>
+          <p:cNvSpPr>
+            <a:spLocks noGrp="1"/>
+          </p:cNvSpPr>
+          <p:nvPr>
+            <p:ph type="dt" sz="half" idx="2"/>
           </p:nvPr>
         </p:nvSpPr>
         <p:spPr>
           <a:xfrm>
-            <a:off x="1097280" y="1845734"/>
-            <a:ext cx="10058400" cy="4023360"/>
+            <a:off x="7821429" y="6238816"/>
+            <a:ext cx="2753746" cy="323968"/>
           </a:xfrm>
           <a:prstGeom prst="rect">
             <a:avLst/>
           </a:prstGeom>
         </p:spPr>
         <p:txBody>
-          <a:bodyPr vert="horz" lIns="0" tIns="45720" rIns="0" bIns="45720" rtlCol="0">
-            <a:normAutofit/>
-          </a:bodyPr>
-          <a:lstStyle/>
-          <a:p>
-            <a:pPr lvl="0"/>
-            <a:r>
-              <a:rPr lang="en-US"/>
-              <a:t>Click to edit Master text styles</a:t>
-            </a:r>
-          </a:p>
-          <a:p>
-            <a:pPr lvl="1"/>
-            <a:r>
-              <a:rPr lang="en-US"/>
-              <a:t>Second level</a:t>
-            </a:r>
-          </a:p>
-          <a:p>
-            <a:pPr lvl="2"/>
-            <a:r>
-              <a:rPr lang="en-US"/>
-              <a:t>Third level</a:t>
-            </a:r>
-          </a:p>
-          <a:p>
-            <a:pPr lvl="3"/>
-            <a:r>
-              <a:rPr lang="en-US"/>
-              <a:t>Fourth level</a:t>
-            </a:r>
-          </a:p>
-          <a:p>
-            <a:pPr lvl="4"/>
-            <a:r>
-              <a:rPr lang="en-US"/>
-              <a:t>Fifth level</a:t>
-            </a:r>
-            <a:endParaRPr lang="en-US" dirty="0"/>
-          </a:p>
-        </p:txBody>
-      </p:sp>
-      <p:sp>
-        <p:nvSpPr>
-          <p:cNvPr id="4" name="Date Placeholder 3"/>
-          <p:cNvSpPr>
-            <a:spLocks noGrp="1"/>
-          </p:cNvSpPr>
-          <p:nvPr>
-            <p:ph type="dt" sz="half" idx="2"/>
+          <a:bodyPr vert="horz" lIns="91440" tIns="45720" rIns="91440" bIns="45720" rtlCol="0" anchor="ctr"/>
+          <a:lstStyle>
+            <a:lvl1pPr algn="r">
+              <a:defRPr sz="1050">
+                <a:solidFill>
+                  <a:schemeClr val="tx1">
+                    <a:alpha val="70000"/>
+                  </a:schemeClr>
+                </a:solidFill>
+              </a:defRPr>
+            </a:lvl1pPr>
+          </a:lstStyle>
+          <a:p>
+            <a:fld id="{B8852FD5-F33B-4F56-8A63-26ECF163783D}" type="datetimeFigureOut">
+              <a:rPr lang="en-US" smtClean="0"/>
+              <a:t>10/24/24</a:t>
+            </a:fld>
+            <a:endParaRPr lang="en-US"/>
+          </a:p>
+        </p:txBody>
+      </p:sp>
+      <p:sp>
+        <p:nvSpPr>
+          <p:cNvPr id="5" name="Footer Placeholder 4"/>
+          <p:cNvSpPr>
+            <a:spLocks noGrp="1"/>
+          </p:cNvSpPr>
+          <p:nvPr>
+            <p:ph type="ftr" sz="quarter" idx="3"/>
           </p:nvPr>
         </p:nvSpPr>
         <p:spPr>
           <a:xfrm>
-            <a:off x="1097280" y="6459785"/>
-            <a:ext cx="2472271" cy="365125"/>
+            <a:off x="1600200" y="6236208"/>
+            <a:ext cx="5901189" cy="320040"/>
           </a:xfrm>
           <a:prstGeom prst="rect">
             <a:avLst/>
@@ -3267,7 +2881,51 @@
           <a:bodyPr vert="horz" lIns="91440" tIns="45720" rIns="91440" bIns="45720" rtlCol="0" anchor="ctr"/>
           <a:lstStyle>
             <a:lvl1pPr algn="l">
-              <a:defRPr sz="900">
+              <a:defRPr sz="1050">
+                <a:solidFill>
+                  <a:schemeClr val="tx1">
+                    <a:alpha val="70000"/>
+                  </a:schemeClr>
+                </a:solidFill>
+              </a:defRPr>
+            </a:lvl1pPr>
+          </a:lstStyle>
+          <a:p>
+            <a:endParaRPr lang="en-US"/>
+          </a:p>
+        </p:txBody>
+      </p:sp>
+      <p:sp>
+        <p:nvSpPr>
+          <p:cNvPr id="6" name="Slide Number Placeholder 5"/>
+          <p:cNvSpPr>
+            <a:spLocks noGrp="1"/>
+          </p:cNvSpPr>
+          <p:nvPr>
+            <p:ph type="sldNum" sz="quarter" idx="4"/>
+          </p:nvPr>
+        </p:nvSpPr>
+        <p:spPr>
+          <a:xfrm>
+            <a:off x="10758922" y="6217920"/>
+            <a:ext cx="365760" cy="365760"/>
+          </a:xfrm>
+          <a:prstGeom prst="ellipse">
+            <a:avLst/>
+          </a:prstGeom>
+          <a:solidFill>
+            <a:srgbClr val="1D1D1D">
+              <a:alpha val="70000"/>
+            </a:srgbClr>
+          </a:solidFill>
+        </p:spPr>
+        <p:txBody>
+          <a:bodyPr vert="horz" lIns="18288" tIns="45720" rIns="18288" bIns="45720" rtlCol="0" anchor="ctr">
+            <a:noAutofit/>
+          </a:bodyPr>
+          <a:lstStyle>
+            <a:lvl1pPr algn="ctr">
+              <a:defRPr sz="1100" spc="0" baseline="0">
                 <a:solidFill>
                   <a:srgbClr val="FFFFFF"/>
                 </a:solidFill>
@@ -3275,80 +2933,6 @@
             </a:lvl1pPr>
           </a:lstStyle>
           <a:p>
-            <a:fld id="{B8852FD5-F33B-4F56-8A63-26ECF163783D}" type="datetimeFigureOut">
-              <a:rPr lang="en-US" smtClean="0"/>
-              <a:t>10/21/2024</a:t>
-            </a:fld>
-            <a:endParaRPr lang="en-US"/>
-          </a:p>
-        </p:txBody>
-      </p:sp>
-      <p:sp>
-        <p:nvSpPr>
-          <p:cNvPr id="5" name="Footer Placeholder 4"/>
-          <p:cNvSpPr>
-            <a:spLocks noGrp="1"/>
-          </p:cNvSpPr>
-          <p:nvPr>
-            <p:ph type="ftr" sz="quarter" idx="3"/>
-          </p:nvPr>
-        </p:nvSpPr>
-        <p:spPr>
-          <a:xfrm>
-            <a:off x="3686185" y="6459785"/>
-            <a:ext cx="4822804" cy="365125"/>
-          </a:xfrm>
-          <a:prstGeom prst="rect">
-            <a:avLst/>
-          </a:prstGeom>
-        </p:spPr>
-        <p:txBody>
-          <a:bodyPr vert="horz" lIns="91440" tIns="45720" rIns="91440" bIns="45720" rtlCol="0" anchor="ctr"/>
-          <a:lstStyle>
-            <a:lvl1pPr algn="ctr">
-              <a:defRPr sz="900" cap="all" baseline="0">
-                <a:solidFill>
-                  <a:srgbClr val="FFFFFF"/>
-                </a:solidFill>
-              </a:defRPr>
-            </a:lvl1pPr>
-          </a:lstStyle>
-          <a:p>
-            <a:endParaRPr lang="en-US"/>
-          </a:p>
-        </p:txBody>
-      </p:sp>
-      <p:sp>
-        <p:nvSpPr>
-          <p:cNvPr id="6" name="Slide Number Placeholder 5"/>
-          <p:cNvSpPr>
-            <a:spLocks noGrp="1"/>
-          </p:cNvSpPr>
-          <p:nvPr>
-            <p:ph type="sldNum" sz="quarter" idx="4"/>
-          </p:nvPr>
-        </p:nvSpPr>
-        <p:spPr>
-          <a:xfrm>
-            <a:off x="9900458" y="6459785"/>
-            <a:ext cx="1312025" cy="365125"/>
-          </a:xfrm>
-          <a:prstGeom prst="rect">
-            <a:avLst/>
-          </a:prstGeom>
-        </p:spPr>
-        <p:txBody>
-          <a:bodyPr vert="horz" lIns="91440" tIns="45720" rIns="91440" bIns="45720" rtlCol="0" anchor="ctr"/>
-          <a:lstStyle>
-            <a:lvl1pPr algn="r">
-              <a:defRPr sz="1050">
-                <a:solidFill>
-                  <a:srgbClr val="FFFFFF"/>
-                </a:solidFill>
-              </a:defRPr>
-            </a:lvl1pPr>
-          </a:lstStyle>
-          <a:p>
             <a:fld id="{2BECD874-0527-462E-B676-FFEA107F688A}" type="slidenum">
               <a:rPr lang="en-US" smtClean="0"/>
               <a:t>‹#›</a:t>
@@ -3357,81 +2941,40 @@
           </a:p>
         </p:txBody>
       </p:sp>
-      <p:cxnSp>
-        <p:nvCxnSpPr>
-          <p:cNvPr id="10" name="Straight Connector 9"/>
-          <p:cNvCxnSpPr/>
-          <p:nvPr/>
-        </p:nvCxnSpPr>
-        <p:spPr>
-          <a:xfrm>
-            <a:off x="1193532" y="1737845"/>
-            <a:ext cx="9966960" cy="0"/>
-          </a:xfrm>
-          <a:prstGeom prst="line">
-            <a:avLst/>
-          </a:prstGeom>
-          <a:ln w="6350">
-            <a:solidFill>
-              <a:schemeClr val="tx1">
-                <a:lumMod val="50000"/>
-                <a:lumOff val="50000"/>
-              </a:schemeClr>
-            </a:solidFill>
-          </a:ln>
-        </p:spPr>
-        <p:style>
-          <a:lnRef idx="1">
-            <a:schemeClr val="accent1"/>
-          </a:lnRef>
-          <a:fillRef idx="0">
-            <a:schemeClr val="accent1"/>
-          </a:fillRef>
-          <a:effectRef idx="0">
-            <a:schemeClr val="accent1"/>
-          </a:effectRef>
-          <a:fontRef idx="minor">
-            <a:schemeClr val="tx1"/>
-          </a:fontRef>
-        </p:style>
-      </p:cxnSp>
     </p:spTree>
     <p:extLst>
       <p:ext uri="{BB962C8B-B14F-4D97-AF65-F5344CB8AC3E}">
-        <p14:creationId xmlns:p14="http://schemas.microsoft.com/office/powerpoint/2010/main" val="3179430292"/>
+        <p14:creationId xmlns:p14="http://schemas.microsoft.com/office/powerpoint/2010/main" val="1520427746"/>
       </p:ext>
     </p:extLst>
   </p:cSld>
   <p:clrMap bg1="lt1" tx1="dk1" bg2="lt2" tx2="dk2" accent1="accent1" accent2="accent2" accent3="accent3" accent4="accent4" accent5="accent5" accent6="accent6" hlink="hlink" folHlink="folHlink"/>
   <p:sldLayoutIdLst>
-    <p:sldLayoutId id="2147483673" r:id="rId1"/>
-    <p:sldLayoutId id="2147483674" r:id="rId2"/>
-    <p:sldLayoutId id="2147483675" r:id="rId3"/>
-    <p:sldLayoutId id="2147483676" r:id="rId4"/>
-    <p:sldLayoutId id="2147483677" r:id="rId5"/>
-    <p:sldLayoutId id="2147483678" r:id="rId6"/>
-    <p:sldLayoutId id="2147483679" r:id="rId7"/>
-    <p:sldLayoutId id="2147483680" r:id="rId8"/>
-    <p:sldLayoutId id="2147483681" r:id="rId9"/>
-    <p:sldLayoutId id="2147483682" r:id="rId10"/>
-    <p:sldLayoutId id="2147483683" r:id="rId11"/>
+    <p:sldLayoutId id="2147483697" r:id="rId1"/>
+    <p:sldLayoutId id="2147483698" r:id="rId2"/>
+    <p:sldLayoutId id="2147483699" r:id="rId3"/>
+    <p:sldLayoutId id="2147483700" r:id="rId4"/>
+    <p:sldLayoutId id="2147483701" r:id="rId5"/>
+    <p:sldLayoutId id="2147483702" r:id="rId6"/>
+    <p:sldLayoutId id="2147483703" r:id="rId7"/>
+    <p:sldLayoutId id="2147483704" r:id="rId8"/>
+    <p:sldLayoutId id="2147483705" r:id="rId9"/>
+    <p:sldLayoutId id="2147483706" r:id="rId10"/>
+    <p:sldLayoutId id="2147483707" r:id="rId11"/>
   </p:sldLayoutIdLst>
   <p:txStyles>
     <p:titleStyle>
-      <a:lvl1pPr algn="l" defTabSz="914400" rtl="0" eaLnBrk="1" latinLnBrk="0" hangingPunct="1">
+      <a:lvl1pPr algn="ctr" defTabSz="914400" rtl="0" eaLnBrk="1" latinLnBrk="0" hangingPunct="1">
         <a:lnSpc>
-          <a:spcPct val="85000"/>
+          <a:spcPct val="90000"/>
         </a:lnSpc>
         <a:spcBef>
           <a:spcPct val="0"/>
         </a:spcBef>
         <a:buNone/>
-        <a:defRPr sz="4800" kern="1200" spc="-50" baseline="0">
+        <a:defRPr sz="2800" kern="1200" cap="all" spc="200" baseline="0">
           <a:solidFill>
-            <a:schemeClr val="tx1">
-              <a:lumMod val="75000"/>
-              <a:lumOff val="25000"/>
-            </a:schemeClr>
+            <a:srgbClr val="262626"/>
           </a:solidFill>
           <a:latin typeface="+mj-lt"/>
           <a:ea typeface="+mj-ea"/>
@@ -3440,27 +2983,23 @@
       </a:lvl1pPr>
     </p:titleStyle>
     <p:bodyStyle>
-      <a:lvl1pPr marL="91440" indent="-91440" algn="l" defTabSz="914400" rtl="0" eaLnBrk="1" latinLnBrk="0" hangingPunct="1">
+      <a:lvl1pPr marL="228600" indent="-228600" algn="l" defTabSz="914400" rtl="0" eaLnBrk="1" latinLnBrk="0" hangingPunct="1">
         <a:lnSpc>
-          <a:spcPct val="90000"/>
+          <a:spcPct val="100000"/>
         </a:lnSpc>
         <a:spcBef>
-          <a:spcPts val="1200"/>
+          <a:spcPts val="1000"/>
         </a:spcBef>
-        <a:spcAft>
-          <a:spcPts val="200"/>
-        </a:spcAft>
         <a:buClr>
-          <a:schemeClr val="accent1"/>
+          <a:schemeClr val="accent2"/>
         </a:buClr>
-        <a:buSzPct val="100000"/>
-        <a:buFont typeface="Calibri" panose="020F0502020204030204" pitchFamily="34" charset="0"/>
-        <a:buChar char=" "/>
-        <a:defRPr sz="2000" kern="1200">
+        <a:buFont typeface="Arial" panose="020B0604020202020204" pitchFamily="34" charset="0"/>
+        <a:buChar char="•"/>
+        <a:defRPr sz="1800" kern="1200">
           <a:solidFill>
             <a:schemeClr val="tx1">
-              <a:lumMod val="75000"/>
-              <a:lumOff val="25000"/>
+              <a:lumMod val="85000"/>
+              <a:lumOff val="15000"/>
             </a:schemeClr>
           </a:solidFill>
           <a:latin typeface="+mn-lt"/>
@@ -3468,26 +3007,23 @@
           <a:cs typeface="+mn-cs"/>
         </a:defRPr>
       </a:lvl1pPr>
-      <a:lvl2pPr marL="384048" indent="-182880" algn="l" defTabSz="914400" rtl="0" eaLnBrk="1" latinLnBrk="0" hangingPunct="1">
+      <a:lvl2pPr marL="457200" indent="-228600" algn="l" defTabSz="914400" rtl="0" eaLnBrk="1" latinLnBrk="0" hangingPunct="1">
         <a:lnSpc>
-          <a:spcPct val="90000"/>
+          <a:spcPct val="100000"/>
         </a:lnSpc>
         <a:spcBef>
-          <a:spcPts val="200"/>
+          <a:spcPts val="1000"/>
         </a:spcBef>
-        <a:spcAft>
-          <a:spcPts val="400"/>
-        </a:spcAft>
         <a:buClr>
-          <a:schemeClr val="accent1"/>
+          <a:schemeClr val="accent2"/>
         </a:buClr>
-        <a:buFont typeface="Calibri" pitchFamily="34" charset="0"/>
-        <a:buChar char="◦"/>
-        <a:defRPr sz="1800" kern="1200">
+        <a:buFont typeface="Arial" panose="020B0604020202020204" pitchFamily="34" charset="0"/>
+        <a:buChar char="•"/>
+        <a:defRPr sz="1600" kern="1200">
           <a:solidFill>
             <a:schemeClr val="tx1">
-              <a:lumMod val="75000"/>
-              <a:lumOff val="25000"/>
+              <a:lumMod val="85000"/>
+              <a:lumOff val="15000"/>
             </a:schemeClr>
           </a:solidFill>
           <a:latin typeface="+mn-lt"/>
@@ -3495,26 +3031,23 @@
           <a:cs typeface="+mn-cs"/>
         </a:defRPr>
       </a:lvl2pPr>
-      <a:lvl3pPr marL="566928" indent="-182880" algn="l" defTabSz="914400" rtl="0" eaLnBrk="1" latinLnBrk="0" hangingPunct="1">
+      <a:lvl3pPr marL="685800" indent="-228600" algn="l" defTabSz="914400" rtl="0" eaLnBrk="1" latinLnBrk="0" hangingPunct="1">
         <a:lnSpc>
-          <a:spcPct val="90000"/>
+          <a:spcPct val="100000"/>
         </a:lnSpc>
         <a:spcBef>
-          <a:spcPts val="200"/>
+          <a:spcPts val="1000"/>
         </a:spcBef>
-        <a:spcAft>
-          <a:spcPts val="400"/>
-        </a:spcAft>
         <a:buClr>
-          <a:schemeClr val="accent1"/>
+          <a:schemeClr val="accent2"/>
         </a:buClr>
-        <a:buFont typeface="Calibri" pitchFamily="34" charset="0"/>
-        <a:buChar char="◦"/>
-        <a:defRPr sz="1400" kern="1200">
+        <a:buFont typeface="Arial" panose="020B0604020202020204" pitchFamily="34" charset="0"/>
+        <a:buChar char="•"/>
+        <a:defRPr sz="1600" kern="1200">
           <a:solidFill>
             <a:schemeClr val="tx1">
-              <a:lumMod val="75000"/>
-              <a:lumOff val="25000"/>
+              <a:lumMod val="85000"/>
+              <a:lumOff val="15000"/>
             </a:schemeClr>
           </a:solidFill>
           <a:latin typeface="+mn-lt"/>
@@ -3522,26 +3055,23 @@
           <a:cs typeface="+mn-cs"/>
         </a:defRPr>
       </a:lvl3pPr>
-      <a:lvl4pPr marL="749808" indent="-182880" algn="l" defTabSz="914400" rtl="0" eaLnBrk="1" latinLnBrk="0" hangingPunct="1">
+      <a:lvl4pPr marL="914400" indent="-228600" algn="l" defTabSz="914400" rtl="0" eaLnBrk="1" latinLnBrk="0" hangingPunct="1">
         <a:lnSpc>
-          <a:spcPct val="90000"/>
+          <a:spcPct val="100000"/>
         </a:lnSpc>
         <a:spcBef>
-          <a:spcPts val="200"/>
+          <a:spcPts val="1000"/>
         </a:spcBef>
-        <a:spcAft>
-          <a:spcPts val="400"/>
-        </a:spcAft>
         <a:buClr>
-          <a:schemeClr val="accent1"/>
+          <a:schemeClr val="accent2"/>
         </a:buClr>
-        <a:buFont typeface="Calibri" pitchFamily="34" charset="0"/>
-        <a:buChar char="◦"/>
-        <a:defRPr sz="1400" kern="1200">
+        <a:buFont typeface="Arial" panose="020B0604020202020204" pitchFamily="34" charset="0"/>
+        <a:buChar char="•"/>
+        <a:defRPr sz="1600" kern="1200">
           <a:solidFill>
             <a:schemeClr val="tx1">
-              <a:lumMod val="75000"/>
-              <a:lumOff val="25000"/>
+              <a:lumMod val="85000"/>
+              <a:lumOff val="15000"/>
             </a:schemeClr>
           </a:solidFill>
           <a:latin typeface="+mn-lt"/>
@@ -3549,26 +3079,23 @@
           <a:cs typeface="+mn-cs"/>
         </a:defRPr>
       </a:lvl4pPr>
-      <a:lvl5pPr marL="932688" indent="-182880" algn="l" defTabSz="914400" rtl="0" eaLnBrk="1" latinLnBrk="0" hangingPunct="1">
+      <a:lvl5pPr marL="1143000" indent="-228600" algn="l" defTabSz="914400" rtl="0" eaLnBrk="1" latinLnBrk="0" hangingPunct="1">
         <a:lnSpc>
-          <a:spcPct val="90000"/>
+          <a:spcPct val="100000"/>
         </a:lnSpc>
         <a:spcBef>
-          <a:spcPts val="200"/>
+          <a:spcPts val="1000"/>
         </a:spcBef>
-        <a:spcAft>
-          <a:spcPts val="400"/>
-        </a:spcAft>
         <a:buClr>
-          <a:schemeClr val="accent1"/>
+          <a:schemeClr val="accent2"/>
         </a:buClr>
-        <a:buFont typeface="Calibri" pitchFamily="34" charset="0"/>
-        <a:buChar char="◦"/>
-        <a:defRPr sz="1400" kern="1200">
+        <a:buFont typeface="Arial" panose="020B0604020202020204" pitchFamily="34" charset="0"/>
+        <a:buChar char="•"/>
+        <a:defRPr sz="1600" kern="1200">
           <a:solidFill>
             <a:schemeClr val="tx1">
-              <a:lumMod val="75000"/>
-              <a:lumOff val="25000"/>
+              <a:lumMod val="85000"/>
+              <a:lumOff val="15000"/>
             </a:schemeClr>
           </a:solidFill>
           <a:latin typeface="+mn-lt"/>
@@ -3576,108 +3103,84 @@
           <a:cs typeface="+mn-cs"/>
         </a:defRPr>
       </a:lvl5pPr>
-      <a:lvl6pPr marL="1100000" indent="-228600" algn="l" defTabSz="914400" rtl="0" eaLnBrk="1" latinLnBrk="0" hangingPunct="1">
+      <a:lvl6pPr marL="1312863" indent="-228600" algn="l" defTabSz="914400" rtl="0" eaLnBrk="1" latinLnBrk="0" hangingPunct="1">
         <a:lnSpc>
-          <a:spcPct val="90000"/>
+          <a:spcPct val="100000"/>
         </a:lnSpc>
         <a:spcBef>
-          <a:spcPts val="200"/>
+          <a:spcPts val="1000"/>
         </a:spcBef>
-        <a:spcAft>
-          <a:spcPts val="400"/>
-        </a:spcAft>
         <a:buClr>
-          <a:schemeClr val="accent1"/>
+          <a:schemeClr val="accent2"/>
         </a:buClr>
-        <a:buFont typeface="Calibri" pitchFamily="34" charset="0"/>
-        <a:buChar char="◦"/>
-        <a:defRPr sz="1400" kern="1200">
+        <a:buFont typeface="Arial" panose="020B0604020202020204" pitchFamily="34" charset="0"/>
+        <a:buChar char="•"/>
+        <a:defRPr sz="1600" kern="1200">
           <a:solidFill>
-            <a:schemeClr val="tx1">
-              <a:lumMod val="75000"/>
-              <a:lumOff val="25000"/>
-            </a:schemeClr>
+            <a:schemeClr val="tx1"/>
           </a:solidFill>
           <a:latin typeface="+mn-lt"/>
           <a:ea typeface="+mn-ea"/>
           <a:cs typeface="+mn-cs"/>
         </a:defRPr>
       </a:lvl6pPr>
-      <a:lvl7pPr marL="1300000" indent="-228600" algn="l" defTabSz="914400" rtl="0" eaLnBrk="1" latinLnBrk="0" hangingPunct="1">
+      <a:lvl7pPr marL="1484313" indent="-228600" algn="l" defTabSz="914400" rtl="0" eaLnBrk="1" latinLnBrk="0" hangingPunct="1">
         <a:lnSpc>
-          <a:spcPct val="90000"/>
+          <a:spcPct val="100000"/>
         </a:lnSpc>
         <a:spcBef>
-          <a:spcPts val="200"/>
+          <a:spcPts val="1000"/>
         </a:spcBef>
-        <a:spcAft>
-          <a:spcPts val="400"/>
-        </a:spcAft>
         <a:buClr>
-          <a:schemeClr val="accent1"/>
+          <a:schemeClr val="accent2"/>
         </a:buClr>
-        <a:buFont typeface="Calibri" pitchFamily="34" charset="0"/>
-        <a:buChar char="◦"/>
-        <a:defRPr sz="1400" kern="1200">
+        <a:buFont typeface="Arial" panose="020B0604020202020204" pitchFamily="34" charset="0"/>
+        <a:buChar char="•"/>
+        <a:defRPr sz="1600" kern="1200">
           <a:solidFill>
-            <a:schemeClr val="tx1">
-              <a:lumMod val="75000"/>
-              <a:lumOff val="25000"/>
-            </a:schemeClr>
+            <a:schemeClr val="tx1"/>
           </a:solidFill>
           <a:latin typeface="+mn-lt"/>
           <a:ea typeface="+mn-ea"/>
           <a:cs typeface="+mn-cs"/>
         </a:defRPr>
       </a:lvl7pPr>
-      <a:lvl8pPr marL="1500000" indent="-228600" algn="l" defTabSz="914400" rtl="0" eaLnBrk="1" latinLnBrk="0" hangingPunct="1">
+      <a:lvl8pPr marL="1657350" indent="-228600" algn="l" defTabSz="914400" rtl="0" eaLnBrk="1" latinLnBrk="0" hangingPunct="1">
         <a:lnSpc>
-          <a:spcPct val="90000"/>
+          <a:spcPct val="100000"/>
         </a:lnSpc>
         <a:spcBef>
-          <a:spcPts val="200"/>
+          <a:spcPts val="1000"/>
         </a:spcBef>
-        <a:spcAft>
-          <a:spcPts val="400"/>
-        </a:spcAft>
         <a:buClr>
-          <a:schemeClr val="accent1"/>
+          <a:schemeClr val="accent2"/>
         </a:buClr>
-        <a:buFont typeface="Calibri" pitchFamily="34" charset="0"/>
-        <a:buChar char="◦"/>
-        <a:defRPr sz="1400" kern="1200">
+        <a:buFont typeface="Arial" panose="020B0604020202020204" pitchFamily="34" charset="0"/>
+        <a:buChar char="•"/>
+        <a:defRPr sz="1600" kern="1200" baseline="0">
           <a:solidFill>
-            <a:schemeClr val="tx1">
-              <a:lumMod val="75000"/>
-              <a:lumOff val="25000"/>
-            </a:schemeClr>
+            <a:schemeClr val="tx1"/>
           </a:solidFill>
           <a:latin typeface="+mn-lt"/>
           <a:ea typeface="+mn-ea"/>
           <a:cs typeface="+mn-cs"/>
         </a:defRPr>
       </a:lvl8pPr>
-      <a:lvl9pPr marL="1700000" indent="-228600" algn="l" defTabSz="914400" rtl="0" eaLnBrk="1" latinLnBrk="0" hangingPunct="1">
+      <a:lvl9pPr marL="1882775" indent="-228600" algn="l" defTabSz="914400" rtl="0" eaLnBrk="1" latinLnBrk="0" hangingPunct="1">
         <a:lnSpc>
-          <a:spcPct val="90000"/>
+          <a:spcPct val="100000"/>
         </a:lnSpc>
         <a:spcBef>
-          <a:spcPts val="200"/>
+          <a:spcPts val="1000"/>
         </a:spcBef>
-        <a:spcAft>
-          <a:spcPts val="400"/>
-        </a:spcAft>
         <a:buClr>
-          <a:schemeClr val="accent1"/>
+          <a:schemeClr val="accent2"/>
         </a:buClr>
-        <a:buFont typeface="Calibri" pitchFamily="34" charset="0"/>
-        <a:buChar char="◦"/>
-        <a:defRPr sz="1400" kern="1200">
+        <a:buFont typeface="Arial" panose="020B0604020202020204" pitchFamily="34" charset="0"/>
+        <a:buChar char="•"/>
+        <a:defRPr sz="1600" kern="1200" baseline="0">
           <a:solidFill>
-            <a:schemeClr val="tx1">
-              <a:lumMod val="75000"/>
-              <a:lumOff val="25000"/>
-            </a:schemeClr>
+            <a:schemeClr val="tx1"/>
           </a:solidFill>
           <a:latin typeface="+mn-lt"/>
           <a:ea typeface="+mn-ea"/>
@@ -3822,7 +3325,10 @@
           <a:bodyPr/>
           <a:lstStyle/>
           <a:p>
-            <a:endParaRPr lang="en-US"/>
+            <a:r>
+              <a:rPr lang="en-US" dirty="0"/>
+              <a:t>Managing Terraform State</a:t>
+            </a:r>
           </a:p>
         </p:txBody>
       </p:sp>
@@ -3847,7 +3353,10 @@
           <a:bodyPr/>
           <a:lstStyle/>
           <a:p>
-            <a:endParaRPr lang="en-US"/>
+            <a:r>
+              <a:rPr lang="en-US" dirty="0"/>
+              <a:t>11:00 AM - 12:00 PM</a:t>
+            </a:r>
           </a:p>
         </p:txBody>
       </p:sp>
@@ -3864,10 +3373,508 @@
 </p:sld>
 </file>
 
+<file path=ppt/slides/slide2.xml><?xml version="1.0" encoding="utf-8"?>
+<p:sld xmlns:a="http://schemas.openxmlformats.org/drawingml/2006/main" xmlns:r="http://schemas.openxmlformats.org/officeDocument/2006/relationships" xmlns:p="http://schemas.openxmlformats.org/presentationml/2006/main">
+  <p:cSld>
+    <p:spTree>
+      <p:nvGrpSpPr>
+        <p:cNvPr id="1" name=""/>
+        <p:cNvGrpSpPr/>
+        <p:nvPr/>
+      </p:nvGrpSpPr>
+      <p:grpSpPr>
+        <a:xfrm>
+          <a:off x="0" y="0"/>
+          <a:ext cx="0" cy="0"/>
+          <a:chOff x="0" y="0"/>
+          <a:chExt cx="0" cy="0"/>
+        </a:xfrm>
+      </p:grpSpPr>
+      <p:sp>
+        <p:nvSpPr>
+          <p:cNvPr id="2" name="Title 1">
+            <a:extLst>
+              <a:ext uri="{FF2B5EF4-FFF2-40B4-BE49-F238E27FC236}">
+                <a16:creationId xmlns:a16="http://schemas.microsoft.com/office/drawing/2014/main" id="{6C7387D6-4308-894B-EDDF-77333576258A}"/>
+              </a:ext>
+            </a:extLst>
+          </p:cNvPr>
+          <p:cNvSpPr>
+            <a:spLocks noGrp="1"/>
+          </p:cNvSpPr>
+          <p:nvPr>
+            <p:ph type="title"/>
+          </p:nvPr>
+        </p:nvSpPr>
+        <p:spPr/>
+        <p:txBody>
+          <a:bodyPr/>
+          <a:lstStyle/>
+          <a:p>
+            <a:r>
+              <a:rPr lang="en-US" dirty="0"/>
+              <a:t>Understanding Terraform State</a:t>
+            </a:r>
+          </a:p>
+        </p:txBody>
+      </p:sp>
+      <p:sp>
+        <p:nvSpPr>
+          <p:cNvPr id="3" name="Content Placeholder 2">
+            <a:extLst>
+              <a:ext uri="{FF2B5EF4-FFF2-40B4-BE49-F238E27FC236}">
+                <a16:creationId xmlns:a16="http://schemas.microsoft.com/office/drawing/2014/main" id="{5C21AC08-B1C5-A041-9A9B-F0BE28EB0672}"/>
+              </a:ext>
+            </a:extLst>
+          </p:cNvPr>
+          <p:cNvSpPr>
+            <a:spLocks noGrp="1"/>
+          </p:cNvSpPr>
+          <p:nvPr>
+            <p:ph idx="1"/>
+          </p:nvPr>
+        </p:nvSpPr>
+        <p:spPr/>
+        <p:txBody>
+          <a:bodyPr/>
+          <a:lstStyle/>
+          <a:p>
+            <a:endParaRPr lang="en-US"/>
+          </a:p>
+        </p:txBody>
+      </p:sp>
+    </p:spTree>
+    <p:extLst>
+      <p:ext uri="{BB962C8B-B14F-4D97-AF65-F5344CB8AC3E}">
+        <p14:creationId xmlns:p14="http://schemas.microsoft.com/office/powerpoint/2010/main" val="32734248"/>
+      </p:ext>
+    </p:extLst>
+  </p:cSld>
+  <p:clrMapOvr>
+    <a:masterClrMapping/>
+  </p:clrMapOvr>
+</p:sld>
+</file>
+
+<file path=ppt/slides/slide3.xml><?xml version="1.0" encoding="utf-8"?>
+<p:sld xmlns:a="http://schemas.openxmlformats.org/drawingml/2006/main" xmlns:r="http://schemas.openxmlformats.org/officeDocument/2006/relationships" xmlns:p="http://schemas.openxmlformats.org/presentationml/2006/main">
+  <p:cSld>
+    <p:spTree>
+      <p:nvGrpSpPr>
+        <p:cNvPr id="1" name=""/>
+        <p:cNvGrpSpPr/>
+        <p:nvPr/>
+      </p:nvGrpSpPr>
+      <p:grpSpPr>
+        <a:xfrm>
+          <a:off x="0" y="0"/>
+          <a:ext cx="0" cy="0"/>
+          <a:chOff x="0" y="0"/>
+          <a:chExt cx="0" cy="0"/>
+        </a:xfrm>
+      </p:grpSpPr>
+      <p:sp>
+        <p:nvSpPr>
+          <p:cNvPr id="2" name="Title 1">
+            <a:extLst>
+              <a:ext uri="{FF2B5EF4-FFF2-40B4-BE49-F238E27FC236}">
+                <a16:creationId xmlns:a16="http://schemas.microsoft.com/office/drawing/2014/main" id="{407531C8-011B-8609-5E0D-CE495AAC1127}"/>
+              </a:ext>
+            </a:extLst>
+          </p:cNvPr>
+          <p:cNvSpPr>
+            <a:spLocks noGrp="1"/>
+          </p:cNvSpPr>
+          <p:nvPr>
+            <p:ph type="title"/>
+          </p:nvPr>
+        </p:nvSpPr>
+        <p:spPr/>
+        <p:txBody>
+          <a:bodyPr/>
+          <a:lstStyle/>
+          <a:p>
+            <a:r>
+              <a:rPr lang="en-US" dirty="0"/>
+              <a:t>Terraform State Files</a:t>
+            </a:r>
+          </a:p>
+        </p:txBody>
+      </p:sp>
+      <p:sp>
+        <p:nvSpPr>
+          <p:cNvPr id="3" name="Content Placeholder 2">
+            <a:extLst>
+              <a:ext uri="{FF2B5EF4-FFF2-40B4-BE49-F238E27FC236}">
+                <a16:creationId xmlns:a16="http://schemas.microsoft.com/office/drawing/2014/main" id="{D36C587C-6D09-1B11-E4B0-6FA4DFF76837}"/>
+              </a:ext>
+            </a:extLst>
+          </p:cNvPr>
+          <p:cNvSpPr>
+            <a:spLocks noGrp="1"/>
+          </p:cNvSpPr>
+          <p:nvPr>
+            <p:ph idx="1"/>
+          </p:nvPr>
+        </p:nvSpPr>
+        <p:spPr/>
+        <p:txBody>
+          <a:bodyPr/>
+          <a:lstStyle/>
+          <a:p>
+            <a:endParaRPr lang="en-US"/>
+          </a:p>
+        </p:txBody>
+      </p:sp>
+    </p:spTree>
+    <p:extLst>
+      <p:ext uri="{BB962C8B-B14F-4D97-AF65-F5344CB8AC3E}">
+        <p14:creationId xmlns:p14="http://schemas.microsoft.com/office/powerpoint/2010/main" val="1475164718"/>
+      </p:ext>
+    </p:extLst>
+  </p:cSld>
+  <p:clrMapOvr>
+    <a:masterClrMapping/>
+  </p:clrMapOvr>
+</p:sld>
+</file>
+
+<file path=ppt/slides/slide4.xml><?xml version="1.0" encoding="utf-8"?>
+<p:sld xmlns:a="http://schemas.openxmlformats.org/drawingml/2006/main" xmlns:r="http://schemas.openxmlformats.org/officeDocument/2006/relationships" xmlns:p="http://schemas.openxmlformats.org/presentationml/2006/main">
+  <p:cSld>
+    <p:spTree>
+      <p:nvGrpSpPr>
+        <p:cNvPr id="1" name=""/>
+        <p:cNvGrpSpPr/>
+        <p:nvPr/>
+      </p:nvGrpSpPr>
+      <p:grpSpPr>
+        <a:xfrm>
+          <a:off x="0" y="0"/>
+          <a:ext cx="0" cy="0"/>
+          <a:chOff x="0" y="0"/>
+          <a:chExt cx="0" cy="0"/>
+        </a:xfrm>
+      </p:grpSpPr>
+      <p:sp>
+        <p:nvSpPr>
+          <p:cNvPr id="2" name="Title 1">
+            <a:extLst>
+              <a:ext uri="{FF2B5EF4-FFF2-40B4-BE49-F238E27FC236}">
+                <a16:creationId xmlns:a16="http://schemas.microsoft.com/office/drawing/2014/main" id="{A425D174-F3F7-02D1-992B-569A11BBA4F9}"/>
+              </a:ext>
+            </a:extLst>
+          </p:cNvPr>
+          <p:cNvSpPr>
+            <a:spLocks noGrp="1"/>
+          </p:cNvSpPr>
+          <p:nvPr>
+            <p:ph type="title"/>
+          </p:nvPr>
+        </p:nvSpPr>
+        <p:spPr/>
+        <p:txBody>
+          <a:bodyPr/>
+          <a:lstStyle/>
+          <a:p>
+            <a:r>
+              <a:rPr lang="en-US" dirty="0"/>
+              <a:t>Why Use Remote State?</a:t>
+            </a:r>
+          </a:p>
+        </p:txBody>
+      </p:sp>
+      <p:sp>
+        <p:nvSpPr>
+          <p:cNvPr id="3" name="Content Placeholder 2">
+            <a:extLst>
+              <a:ext uri="{FF2B5EF4-FFF2-40B4-BE49-F238E27FC236}">
+                <a16:creationId xmlns:a16="http://schemas.microsoft.com/office/drawing/2014/main" id="{B5A6657E-5AEF-351D-C59E-48C97C032B6B}"/>
+              </a:ext>
+            </a:extLst>
+          </p:cNvPr>
+          <p:cNvSpPr>
+            <a:spLocks noGrp="1"/>
+          </p:cNvSpPr>
+          <p:nvPr>
+            <p:ph idx="1"/>
+          </p:nvPr>
+        </p:nvSpPr>
+        <p:spPr/>
+        <p:txBody>
+          <a:bodyPr/>
+          <a:lstStyle/>
+          <a:p>
+            <a:endParaRPr lang="en-US"/>
+          </a:p>
+        </p:txBody>
+      </p:sp>
+    </p:spTree>
+    <p:extLst>
+      <p:ext uri="{BB962C8B-B14F-4D97-AF65-F5344CB8AC3E}">
+        <p14:creationId xmlns:p14="http://schemas.microsoft.com/office/powerpoint/2010/main" val="3104988760"/>
+      </p:ext>
+    </p:extLst>
+  </p:cSld>
+  <p:clrMapOvr>
+    <a:masterClrMapping/>
+  </p:clrMapOvr>
+</p:sld>
+</file>
+
+<file path=ppt/slides/slide5.xml><?xml version="1.0" encoding="utf-8"?>
+<p:sld xmlns:a="http://schemas.openxmlformats.org/drawingml/2006/main" xmlns:r="http://schemas.openxmlformats.org/officeDocument/2006/relationships" xmlns:p="http://schemas.openxmlformats.org/presentationml/2006/main">
+  <p:cSld>
+    <p:spTree>
+      <p:nvGrpSpPr>
+        <p:cNvPr id="1" name=""/>
+        <p:cNvGrpSpPr/>
+        <p:nvPr/>
+      </p:nvGrpSpPr>
+      <p:grpSpPr>
+        <a:xfrm>
+          <a:off x="0" y="0"/>
+          <a:ext cx="0" cy="0"/>
+          <a:chOff x="0" y="0"/>
+          <a:chExt cx="0" cy="0"/>
+        </a:xfrm>
+      </p:grpSpPr>
+      <p:sp>
+        <p:nvSpPr>
+          <p:cNvPr id="2" name="Title 1">
+            <a:extLst>
+              <a:ext uri="{FF2B5EF4-FFF2-40B4-BE49-F238E27FC236}">
+                <a16:creationId xmlns:a16="http://schemas.microsoft.com/office/drawing/2014/main" id="{14398258-DC0F-F033-8027-D91D64F2E0FD}"/>
+              </a:ext>
+            </a:extLst>
+          </p:cNvPr>
+          <p:cNvSpPr>
+            <a:spLocks noGrp="1"/>
+          </p:cNvSpPr>
+          <p:nvPr>
+            <p:ph type="title"/>
+          </p:nvPr>
+        </p:nvSpPr>
+        <p:spPr/>
+        <p:txBody>
+          <a:bodyPr/>
+          <a:lstStyle/>
+          <a:p>
+            <a:r>
+              <a:rPr lang="en-US" dirty="0"/>
+              <a:t>Configuring Remote State with Azure Blob Storage</a:t>
+            </a:r>
+          </a:p>
+        </p:txBody>
+      </p:sp>
+      <p:sp>
+        <p:nvSpPr>
+          <p:cNvPr id="3" name="Content Placeholder 2">
+            <a:extLst>
+              <a:ext uri="{FF2B5EF4-FFF2-40B4-BE49-F238E27FC236}">
+                <a16:creationId xmlns:a16="http://schemas.microsoft.com/office/drawing/2014/main" id="{678CD508-7169-0A7A-AF2F-038E5716F036}"/>
+              </a:ext>
+            </a:extLst>
+          </p:cNvPr>
+          <p:cNvSpPr>
+            <a:spLocks noGrp="1"/>
+          </p:cNvSpPr>
+          <p:nvPr>
+            <p:ph idx="1"/>
+          </p:nvPr>
+        </p:nvSpPr>
+        <p:spPr/>
+        <p:txBody>
+          <a:bodyPr/>
+          <a:lstStyle/>
+          <a:p>
+            <a:endParaRPr lang="en-US"/>
+          </a:p>
+        </p:txBody>
+      </p:sp>
+    </p:spTree>
+    <p:extLst>
+      <p:ext uri="{BB962C8B-B14F-4D97-AF65-F5344CB8AC3E}">
+        <p14:creationId xmlns:p14="http://schemas.microsoft.com/office/powerpoint/2010/main" val="3220249115"/>
+      </p:ext>
+    </p:extLst>
+  </p:cSld>
+  <p:clrMapOvr>
+    <a:masterClrMapping/>
+  </p:clrMapOvr>
+</p:sld>
+</file>
+
+<file path=ppt/slides/slide6.xml><?xml version="1.0" encoding="utf-8"?>
+<p:sld xmlns:a="http://schemas.openxmlformats.org/drawingml/2006/main" xmlns:r="http://schemas.openxmlformats.org/officeDocument/2006/relationships" xmlns:p="http://schemas.openxmlformats.org/presentationml/2006/main">
+  <p:cSld>
+    <p:spTree>
+      <p:nvGrpSpPr>
+        <p:cNvPr id="1" name=""/>
+        <p:cNvGrpSpPr/>
+        <p:nvPr/>
+      </p:nvGrpSpPr>
+      <p:grpSpPr>
+        <a:xfrm>
+          <a:off x="0" y="0"/>
+          <a:ext cx="0" cy="0"/>
+          <a:chOff x="0" y="0"/>
+          <a:chExt cx="0" cy="0"/>
+        </a:xfrm>
+      </p:grpSpPr>
+      <p:sp>
+        <p:nvSpPr>
+          <p:cNvPr id="2" name="Title 1">
+            <a:extLst>
+              <a:ext uri="{FF2B5EF4-FFF2-40B4-BE49-F238E27FC236}">
+                <a16:creationId xmlns:a16="http://schemas.microsoft.com/office/drawing/2014/main" id="{BD735038-E1AE-0022-900A-B05CFCB100F2}"/>
+              </a:ext>
+            </a:extLst>
+          </p:cNvPr>
+          <p:cNvSpPr>
+            <a:spLocks noGrp="1"/>
+          </p:cNvSpPr>
+          <p:nvPr>
+            <p:ph type="title"/>
+          </p:nvPr>
+        </p:nvSpPr>
+        <p:spPr/>
+        <p:txBody>
+          <a:bodyPr/>
+          <a:lstStyle/>
+          <a:p>
+            <a:r>
+              <a:rPr lang="en-US" dirty="0"/>
+              <a:t>Exercise: Configuring and Using Remote State in Azure</a:t>
+            </a:r>
+          </a:p>
+        </p:txBody>
+      </p:sp>
+      <p:sp>
+        <p:nvSpPr>
+          <p:cNvPr id="3" name="Content Placeholder 2">
+            <a:extLst>
+              <a:ext uri="{FF2B5EF4-FFF2-40B4-BE49-F238E27FC236}">
+                <a16:creationId xmlns:a16="http://schemas.microsoft.com/office/drawing/2014/main" id="{092F0D33-64F7-076E-A1C6-422CBD1919D3}"/>
+              </a:ext>
+            </a:extLst>
+          </p:cNvPr>
+          <p:cNvSpPr>
+            <a:spLocks noGrp="1"/>
+          </p:cNvSpPr>
+          <p:nvPr>
+            <p:ph idx="1"/>
+          </p:nvPr>
+        </p:nvSpPr>
+        <p:spPr/>
+        <p:txBody>
+          <a:bodyPr/>
+          <a:lstStyle/>
+          <a:p>
+            <a:endParaRPr lang="en-US"/>
+          </a:p>
+        </p:txBody>
+      </p:sp>
+    </p:spTree>
+    <p:extLst>
+      <p:ext uri="{BB962C8B-B14F-4D97-AF65-F5344CB8AC3E}">
+        <p14:creationId xmlns:p14="http://schemas.microsoft.com/office/powerpoint/2010/main" val="3953196100"/>
+      </p:ext>
+    </p:extLst>
+  </p:cSld>
+  <p:clrMapOvr>
+    <a:masterClrMapping/>
+  </p:clrMapOvr>
+</p:sld>
+</file>
+
+<file path=ppt/slides/slide7.xml><?xml version="1.0" encoding="utf-8"?>
+<p:sld xmlns:a="http://schemas.openxmlformats.org/drawingml/2006/main" xmlns:r="http://schemas.openxmlformats.org/officeDocument/2006/relationships" xmlns:p="http://schemas.openxmlformats.org/presentationml/2006/main">
+  <p:cSld>
+    <p:spTree>
+      <p:nvGrpSpPr>
+        <p:cNvPr id="1" name=""/>
+        <p:cNvGrpSpPr/>
+        <p:nvPr/>
+      </p:nvGrpSpPr>
+      <p:grpSpPr>
+        <a:xfrm>
+          <a:off x="0" y="0"/>
+          <a:ext cx="0" cy="0"/>
+          <a:chOff x="0" y="0"/>
+          <a:chExt cx="0" cy="0"/>
+        </a:xfrm>
+      </p:grpSpPr>
+      <p:sp>
+        <p:nvSpPr>
+          <p:cNvPr id="2" name="Title 1">
+            <a:extLst>
+              <a:ext uri="{FF2B5EF4-FFF2-40B4-BE49-F238E27FC236}">
+                <a16:creationId xmlns:a16="http://schemas.microsoft.com/office/drawing/2014/main" id="{AA848DA2-3F22-35E5-37CD-68276B8B9ED5}"/>
+              </a:ext>
+            </a:extLst>
+          </p:cNvPr>
+          <p:cNvSpPr>
+            <a:spLocks noGrp="1"/>
+          </p:cNvSpPr>
+          <p:nvPr>
+            <p:ph type="title"/>
+          </p:nvPr>
+        </p:nvSpPr>
+        <p:spPr/>
+        <p:txBody>
+          <a:bodyPr/>
+          <a:lstStyle/>
+          <a:p>
+            <a:r>
+              <a:rPr lang="en-US" dirty="0"/>
+              <a:t>Bonus Exercise: Using Remote State with Workspaces</a:t>
+            </a:r>
+          </a:p>
+        </p:txBody>
+      </p:sp>
+      <p:sp>
+        <p:nvSpPr>
+          <p:cNvPr id="3" name="Content Placeholder 2">
+            <a:extLst>
+              <a:ext uri="{FF2B5EF4-FFF2-40B4-BE49-F238E27FC236}">
+                <a16:creationId xmlns:a16="http://schemas.microsoft.com/office/drawing/2014/main" id="{AE6F7B7F-0D74-160B-4905-45F09C9F0814}"/>
+              </a:ext>
+            </a:extLst>
+          </p:cNvPr>
+          <p:cNvSpPr>
+            <a:spLocks noGrp="1"/>
+          </p:cNvSpPr>
+          <p:nvPr>
+            <p:ph idx="1"/>
+          </p:nvPr>
+        </p:nvSpPr>
+        <p:spPr/>
+        <p:txBody>
+          <a:bodyPr/>
+          <a:lstStyle/>
+          <a:p>
+            <a:endParaRPr lang="en-US"/>
+          </a:p>
+        </p:txBody>
+      </p:sp>
+    </p:spTree>
+    <p:extLst>
+      <p:ext uri="{BB962C8B-B14F-4D97-AF65-F5344CB8AC3E}">
+        <p14:creationId xmlns:p14="http://schemas.microsoft.com/office/powerpoint/2010/main" val="3225143010"/>
+      </p:ext>
+    </p:extLst>
+  </p:cSld>
+  <p:clrMapOvr>
+    <a:masterClrMapping/>
+  </p:clrMapOvr>
+</p:sld>
+</file>
+
 <file path=ppt/theme/theme1.xml><?xml version="1.0" encoding="utf-8"?>
-<a:theme xmlns:a="http://schemas.openxmlformats.org/drawingml/2006/main" name="Retrospect">
+<a:theme xmlns:a="http://schemas.openxmlformats.org/drawingml/2006/main" name="Parcel">
   <a:themeElements>
-    <a:clrScheme name="Retrospect">
+    <a:clrScheme name="Grayscale">
       <a:dk1>
         <a:sysClr val="windowText" lastClr="000000"/>
       </a:dk1>
@@ -3875,81 +3882,48 @@
         <a:sysClr val="window" lastClr="FFFFFF"/>
       </a:lt1>
       <a:dk2>
-        <a:srgbClr val="514949"/>
+        <a:srgbClr val="000000"/>
       </a:dk2>
       <a:lt2>
-        <a:srgbClr val="E1E1DB"/>
+        <a:srgbClr val="F8F8F8"/>
       </a:lt2>
       <a:accent1>
-        <a:srgbClr val="9DBFBE"/>
+        <a:srgbClr val="DDDDDD"/>
       </a:accent1>
       <a:accent2>
-        <a:srgbClr val="DB8631"/>
+        <a:srgbClr val="B2B2B2"/>
       </a:accent2>
       <a:accent3>
-        <a:srgbClr val="E3CC5A"/>
+        <a:srgbClr val="969696"/>
       </a:accent3>
       <a:accent4>
-        <a:srgbClr val="ACADA8"/>
+        <a:srgbClr val="808080"/>
       </a:accent4>
       <a:accent5>
-        <a:srgbClr val="927C61"/>
+        <a:srgbClr val="5F5F5F"/>
       </a:accent5>
       <a:accent6>
-        <a:srgbClr val="B3B435"/>
+        <a:srgbClr val="4D4D4D"/>
       </a:accent6>
       <a:hlink>
-        <a:srgbClr val="0000FF"/>
+        <a:srgbClr val="5F5F5F"/>
       </a:hlink>
       <a:folHlink>
-        <a:srgbClr val="800080"/>
+        <a:srgbClr val="919191"/>
       </a:folHlink>
     </a:clrScheme>
-    <a:fontScheme name="Retrospect">
+    <a:fontScheme name="Parcel">
       <a:majorFont>
-        <a:latin typeface="Calibri Light" panose="020F0302020204030204"/>
+        <a:latin typeface="Gill Sans MT" panose="020B0502020104020203"/>
         <a:ea typeface=""/>
         <a:cs typeface=""/>
-        <a:font script="Jpan" typeface="ＭＳ Ｐゴシック"/>
-        <a:font script="Hang" typeface="맑은 고딕"/>
-        <a:font script="Hans" typeface="宋体"/>
-        <a:font script="Hant" typeface="新細明體"/>
-        <a:font script="Arab" typeface="Times New Roman"/>
-        <a:font script="Hebr" typeface="Times New Roman"/>
-        <a:font script="Thai" typeface="Angsana New"/>
-        <a:font script="Ethi" typeface="Nyala"/>
-        <a:font script="Beng" typeface="Vrinda"/>
-        <a:font script="Gujr" typeface="Shruti"/>
-        <a:font script="Khmr" typeface="MoolBoran"/>
-        <a:font script="Knda" typeface="Tunga"/>
-        <a:font script="Guru" typeface="Raavi"/>
-        <a:font script="Cans" typeface="Euphemia"/>
-        <a:font script="Cher" typeface="Plantagenet Cherokee"/>
-        <a:font script="Yiii" typeface="Microsoft Yi Baiti"/>
-        <a:font script="Tibt" typeface="Microsoft Himalaya"/>
-        <a:font script="Thaa" typeface="MV Boli"/>
-        <a:font script="Deva" typeface="Mangal"/>
-        <a:font script="Telu" typeface="Gautami"/>
-        <a:font script="Taml" typeface="Latha"/>
-        <a:font script="Syrc" typeface="Estrangelo Edessa"/>
-        <a:font script="Orya" typeface="Kalinga"/>
-        <a:font script="Mlym" typeface="Kartika"/>
-        <a:font script="Laoo" typeface="DokChampa"/>
-        <a:font script="Sinh" typeface="Iskoola Pota"/>
-        <a:font script="Mong" typeface="Mongolian Baiti"/>
-        <a:font script="Viet" typeface="Times New Roman"/>
-        <a:font script="Uigh" typeface="Microsoft Uighur"/>
-        <a:font script="Geor" typeface="Sylfaen"/>
-      </a:majorFont>
-      <a:minorFont>
-        <a:latin typeface="Calibri" panose="020F0502020204030204"/>
-        <a:ea typeface=""/>
-        <a:cs typeface=""/>
-        <a:font script="Jpan" typeface="ＭＳ Ｐゴシック"/>
-        <a:font script="Hang" typeface="맑은 고딕"/>
-        <a:font script="Hans" typeface="宋体"/>
-        <a:font script="Hant" typeface="新細明體"/>
-        <a:font script="Arab" typeface="Arial"/>
+        <a:font script="Grek" typeface="Corbel"/>
+        <a:font script="Cyrl" typeface="Corbel"/>
+        <a:font script="Jpan" typeface="HGｺﾞｼｯｸE"/>
+        <a:font script="Hang" typeface="휴먼매직체"/>
+        <a:font script="Hans" typeface="华文中宋"/>
+        <a:font script="Hant" typeface="微軟正黑體"/>
+        <a:font script="Arab" typeface="Majalla UI"/>
         <a:font script="Hebr" typeface="Arial"/>
         <a:font script="Thai" typeface="Cordia New"/>
         <a:font script="Ethi" typeface="Nyala"/>
@@ -3972,12 +3946,49 @@
         <a:font script="Laoo" typeface="DokChampa"/>
         <a:font script="Sinh" typeface="Iskoola Pota"/>
         <a:font script="Mong" typeface="Mongolian Baiti"/>
-        <a:font script="Viet" typeface="Arial"/>
+        <a:font script="Viet" typeface="Tahoma"/>
+        <a:font script="Uigh" typeface="Microsoft Uighur"/>
+        <a:font script="Geor" typeface="Sylfaen"/>
+      </a:majorFont>
+      <a:minorFont>
+        <a:latin typeface="Gill Sans MT" panose="020B0502020104020203"/>
+        <a:ea typeface=""/>
+        <a:cs typeface=""/>
+        <a:font script="Grek" typeface="Corbel"/>
+        <a:font script="Cyrl" typeface="Corbel"/>
+        <a:font script="Jpan" typeface="HGｺﾞｼｯｸE"/>
+        <a:font script="Hang" typeface="휴먼매직체"/>
+        <a:font script="Hans" typeface="华文中宋"/>
+        <a:font script="Hant" typeface="微軟正黑體"/>
+        <a:font script="Arab" typeface="Majalla UI"/>
+        <a:font script="Hebr" typeface="Arial"/>
+        <a:font script="Thai" typeface="Cordia New"/>
+        <a:font script="Ethi" typeface="Nyala"/>
+        <a:font script="Beng" typeface="Vrinda"/>
+        <a:font script="Gujr" typeface="Shruti"/>
+        <a:font script="Khmr" typeface="DaunPenh"/>
+        <a:font script="Knda" typeface="Tunga"/>
+        <a:font script="Guru" typeface="Raavi"/>
+        <a:font script="Cans" typeface="Euphemia"/>
+        <a:font script="Cher" typeface="Plantagenet Cherokee"/>
+        <a:font script="Yiii" typeface="Microsoft Yi Baiti"/>
+        <a:font script="Tibt" typeface="Microsoft Himalaya"/>
+        <a:font script="Thaa" typeface="MV Boli"/>
+        <a:font script="Deva" typeface="Mangal"/>
+        <a:font script="Telu" typeface="Gautami"/>
+        <a:font script="Taml" typeface="Latha"/>
+        <a:font script="Syrc" typeface="Estrangelo Edessa"/>
+        <a:font script="Orya" typeface="Kalinga"/>
+        <a:font script="Mlym" typeface="Kartika"/>
+        <a:font script="Laoo" typeface="DokChampa"/>
+        <a:font script="Sinh" typeface="Iskoola Pota"/>
+        <a:font script="Mong" typeface="Mongolian Baiti"/>
+        <a:font script="Viet" typeface="Tahoma"/>
         <a:font script="Uigh" typeface="Microsoft Uighur"/>
         <a:font script="Geor" typeface="Sylfaen"/>
       </a:minorFont>
     </a:fontScheme>
-    <a:fmtScheme name="Retrospect">
+    <a:fmtScheme name="Parcel">
       <a:fillStyleLst>
         <a:solidFill>
           <a:schemeClr val="phClr"/>
@@ -3986,77 +3997,62 @@
           <a:gsLst>
             <a:gs pos="0">
               <a:schemeClr val="phClr">
-                <a:tint val="65000"/>
-                <a:shade val="92000"/>
-                <a:satMod val="130000"/>
-              </a:schemeClr>
-            </a:gs>
-            <a:gs pos="45000">
-              <a:schemeClr val="phClr">
-                <a:tint val="60000"/>
-                <a:shade val="99000"/>
-                <a:satMod val="120000"/>
+                <a:tint val="80000"/>
+                <a:satMod val="107000"/>
+                <a:lumMod val="103000"/>
               </a:schemeClr>
             </a:gs>
             <a:gs pos="100000">
               <a:schemeClr val="phClr">
-                <a:tint val="55000"/>
-                <a:satMod val="140000"/>
+                <a:tint val="82000"/>
+                <a:satMod val="109000"/>
+                <a:lumMod val="103000"/>
               </a:schemeClr>
             </a:gs>
           </a:gsLst>
-          <a:path path="circle">
-            <a:fillToRect l="100000" t="100000" r="100000" b="100000"/>
-          </a:path>
+          <a:lin ang="5400000" scaled="0"/>
         </a:gradFill>
         <a:gradFill rotWithShape="1">
           <a:gsLst>
             <a:gs pos="0">
               <a:schemeClr val="phClr">
-                <a:shade val="85000"/>
-                <a:satMod val="130000"/>
+                <a:tint val="97000"/>
+                <a:satMod val="100000"/>
+                <a:lumMod val="102000"/>
               </a:schemeClr>
             </a:gs>
-            <a:gs pos="34000">
+            <a:gs pos="50000">
               <a:schemeClr val="phClr">
-                <a:shade val="87000"/>
-                <a:satMod val="125000"/>
-              </a:schemeClr>
-            </a:gs>
-            <a:gs pos="70000">
-              <a:schemeClr val="phClr">
-                <a:tint val="100000"/>
-                <a:shade val="90000"/>
-                <a:satMod val="130000"/>
+                <a:shade val="100000"/>
+                <a:satMod val="103000"/>
+                <a:lumMod val="100000"/>
               </a:schemeClr>
             </a:gs>
             <a:gs pos="100000">
               <a:schemeClr val="phClr">
-                <a:tint val="100000"/>
-                <a:shade val="100000"/>
+                <a:shade val="93000"/>
                 <a:satMod val="110000"/>
+                <a:lumMod val="99000"/>
               </a:schemeClr>
             </a:gs>
           </a:gsLst>
-          <a:path path="circle">
-            <a:fillToRect l="100000" t="100000" r="100000" b="100000"/>
-          </a:path>
+          <a:lin ang="5400000" scaled="0"/>
         </a:gradFill>
       </a:fillStyleLst>
       <a:lnStyleLst>
+        <a:ln w="6350" cap="flat" cmpd="sng" algn="ctr">
+          <a:solidFill>
+            <a:schemeClr val="phClr"/>
+          </a:solidFill>
+          <a:prstDash val="solid"/>
+        </a:ln>
         <a:ln w="12700" cap="flat" cmpd="sng" algn="ctr">
           <a:solidFill>
             <a:schemeClr val="phClr"/>
           </a:solidFill>
           <a:prstDash val="solid"/>
         </a:ln>
-        <a:ln w="15875" cap="flat" cmpd="sng" algn="ctr">
-          <a:solidFill>
-            <a:schemeClr val="phClr"/>
-          </a:solidFill>
-          <a:prstDash val="solid"/>
-        </a:ln>
-        <a:ln w="25400" cap="flat" cmpd="sng" algn="ctr">
+        <a:ln w="31750" cap="flat" cmpd="sng" algn="ctr">
           <a:solidFill>
             <a:schemeClr val="phClr"/>
           </a:solidFill>
@@ -4068,19 +4064,13 @@
           <a:effectLst/>
         </a:effectStyle>
         <a:effectStyle>
-          <a:effectLst>
-            <a:outerShdw blurRad="38100" dist="25400" dir="2700000" algn="br" rotWithShape="0">
-              <a:srgbClr val="000000">
-                <a:alpha val="60000"/>
-              </a:srgbClr>
-            </a:outerShdw>
-          </a:effectLst>
+          <a:effectLst/>
         </a:effectStyle>
         <a:effectStyle>
           <a:effectLst>
-            <a:outerShdw blurRad="44450" dist="25400" dir="2700000" algn="br" rotWithShape="0">
+            <a:outerShdw blurRad="55880" dist="15240" dir="5400000" algn="ctr" rotWithShape="0">
               <a:srgbClr val="000000">
-                <a:alpha val="60000"/>
+                <a:alpha val="45000"/>
               </a:srgbClr>
             </a:outerShdw>
           </a:effectLst>
@@ -4088,12 +4078,10 @@
             <a:camera prst="orthographicFront">
               <a:rot lat="0" lon="0" rev="0"/>
             </a:camera>
-            <a:lightRig rig="threePt" dir="t">
-              <a:rot lat="0" lon="0" rev="19800000"/>
-            </a:lightRig>
+            <a:lightRig rig="brightRoom" dir="tl"/>
           </a:scene3d>
-          <a:sp3d prstMaterial="flat">
-            <a:bevelT w="25400" h="31750"/>
+          <a:sp3d prstMaterial="dkEdge">
+            <a:bevelT w="0" h="0"/>
           </a:sp3d>
         </a:effectStyle>
       </a:effectStyleLst>
@@ -4103,36 +4091,32 @@
         </a:solidFill>
         <a:solidFill>
           <a:schemeClr val="phClr">
-            <a:tint val="90000"/>
-            <a:shade val="97000"/>
-            <a:satMod val="130000"/>
+            <a:tint val="95000"/>
+            <a:satMod val="170000"/>
           </a:schemeClr>
         </a:solidFill>
         <a:gradFill rotWithShape="1">
           <a:gsLst>
             <a:gs pos="0">
               <a:schemeClr val="phClr">
-                <a:tint val="96000"/>
-                <a:shade val="99000"/>
-                <a:satMod val="140000"/>
-              </a:schemeClr>
-            </a:gs>
-            <a:gs pos="65000">
-              <a:schemeClr val="phClr">
-                <a:tint val="100000"/>
-                <a:shade val="80000"/>
-                <a:satMod val="130000"/>
+                <a:tint val="97000"/>
+                <a:shade val="100000"/>
+                <a:satMod val="185000"/>
+                <a:lumMod val="120000"/>
               </a:schemeClr>
             </a:gs>
             <a:gs pos="100000">
               <a:schemeClr val="phClr">
-                <a:tint val="100000"/>
-                <a:shade val="48000"/>
-                <a:satMod val="120000"/>
+                <a:tint val="96000"/>
+                <a:shade val="95000"/>
+                <a:satMod val="215000"/>
+                <a:lumMod val="80000"/>
               </a:schemeClr>
             </a:gs>
           </a:gsLst>
-          <a:lin ang="16200000" scaled="0"/>
+          <a:path path="circle">
+            <a:fillToRect l="50000" t="55000" r="125000" b="100000"/>
+          </a:path>
         </a:gradFill>
       </a:bgFillStyleLst>
     </a:fmtScheme>
@@ -4141,7 +4125,7 @@
   <a:extraClrSchemeLst/>
   <a:extLst>
     <a:ext uri="{05A4C25C-085E-4340-85A3-A5531E510DB2}">
-      <thm15:themeFamily xmlns:thm15="http://schemas.microsoft.com/office/thememl/2012/main" name="Retrospect" id="{5F128B03-DCCA-4EEB-AB3B-CF2899314A46}" vid="{243AF7DC-D15B-41C0-AE81-23980D1B9FC4}"/>
+      <thm15:themeFamily xmlns:thm15="http://schemas.microsoft.com/office/thememl/2012/main" name="Parcel" id="{8BEC4385-4EB9-4D53-BFB5-0EA123736B6D}" vid="{4DB32801-28C0-48B0-8C1D-A9A58613615A}"/>
     </a:ext>
   </a:extLst>
 </a:theme>
